--- a/Plots.pptx
+++ b/Plots.pptx
@@ -5,20 +5,15 @@
     <p:sldMasterId id="2147483648" r:id="rId1"/>
   </p:sldMasterIdLst>
   <p:notesMasterIdLst>
-    <p:notesMasterId r:id="rId13"/>
+    <p:notesMasterId r:id="rId8"/>
   </p:notesMasterIdLst>
   <p:sldIdLst>
-    <p:sldId id="260" r:id="rId2"/>
-    <p:sldId id="259" r:id="rId3"/>
-    <p:sldId id="258" r:id="rId4"/>
-    <p:sldId id="256" r:id="rId5"/>
-    <p:sldId id="263" r:id="rId6"/>
-    <p:sldId id="257" r:id="rId7"/>
-    <p:sldId id="261" r:id="rId8"/>
-    <p:sldId id="262" r:id="rId9"/>
-    <p:sldId id="264" r:id="rId10"/>
-    <p:sldId id="265" r:id="rId11"/>
-    <p:sldId id="266" r:id="rId12"/>
+    <p:sldId id="259" r:id="rId2"/>
+    <p:sldId id="258" r:id="rId3"/>
+    <p:sldId id="256" r:id="rId4"/>
+    <p:sldId id="263" r:id="rId5"/>
+    <p:sldId id="257" r:id="rId6"/>
+    <p:sldId id="261" r:id="rId7"/>
   </p:sldIdLst>
   <p:sldSz cx="12192000" cy="6858000"/>
   <p:notesSz cx="6858000" cy="9144000"/>
@@ -117,6 +112,11 @@
       </a:defRPr>
     </a:lvl9pPr>
   </p:defaultTextStyle>
+  <p:extLst>
+    <p:ext uri="{EFAFB233-063F-42B5-8137-9DF3F51BA10A}">
+      <p15:sldGuideLst xmlns:p15="http://schemas.microsoft.com/office/powerpoint/2012/main"/>
+    </p:ext>
+  </p:extLst>
 </p:presentation>
 </file>
 
@@ -202,7 +202,7 @@
           <a:p>
             <a:fld id="{71A35D8D-D09F-4BEB-BEFC-88618ED2E203}" type="datetimeFigureOut">
               <a:rPr lang="en-US" smtClean="0"/>
-              <a:t>6/4/2025</a:t>
+              <a:t>6/5/2025</a:t>
             </a:fld>
             <a:endParaRPr lang="en-US"/>
           </a:p>
@@ -534,7 +534,7 @@
           <a:p>
             <a:fld id="{B96EBD6C-8D4A-453C-AD04-228301E7ADD6}" type="slidenum">
               <a:rPr lang="en-US" smtClean="0"/>
-              <a:t>7</a:t>
+              <a:t>6</a:t>
             </a:fld>
             <a:endParaRPr lang="en-US"/>
           </a:p>
@@ -700,7 +700,7 @@
           <a:p>
             <a:fld id="{8F804181-F1E6-4734-A4C4-1A5F8F9BD290}" type="datetimeFigureOut">
               <a:rPr lang="en-US" smtClean="0"/>
-              <a:t>6/4/2025</a:t>
+              <a:t>6/5/2025</a:t>
             </a:fld>
             <a:endParaRPr lang="en-US"/>
           </a:p>
@@ -898,7 +898,7 @@
           <a:p>
             <a:fld id="{8F804181-F1E6-4734-A4C4-1A5F8F9BD290}" type="datetimeFigureOut">
               <a:rPr lang="en-US" smtClean="0"/>
-              <a:t>6/4/2025</a:t>
+              <a:t>6/5/2025</a:t>
             </a:fld>
             <a:endParaRPr lang="en-US"/>
           </a:p>
@@ -1106,7 +1106,7 @@
           <a:p>
             <a:fld id="{8F804181-F1E6-4734-A4C4-1A5F8F9BD290}" type="datetimeFigureOut">
               <a:rPr lang="en-US" smtClean="0"/>
-              <a:t>6/4/2025</a:t>
+              <a:t>6/5/2025</a:t>
             </a:fld>
             <a:endParaRPr lang="en-US"/>
           </a:p>
@@ -1304,7 +1304,7 @@
           <a:p>
             <a:fld id="{8F804181-F1E6-4734-A4C4-1A5F8F9BD290}" type="datetimeFigureOut">
               <a:rPr lang="en-US" smtClean="0"/>
-              <a:t>6/4/2025</a:t>
+              <a:t>6/5/2025</a:t>
             </a:fld>
             <a:endParaRPr lang="en-US"/>
           </a:p>
@@ -1579,7 +1579,7 @@
           <a:p>
             <a:fld id="{8F804181-F1E6-4734-A4C4-1A5F8F9BD290}" type="datetimeFigureOut">
               <a:rPr lang="en-US" smtClean="0"/>
-              <a:t>6/4/2025</a:t>
+              <a:t>6/5/2025</a:t>
             </a:fld>
             <a:endParaRPr lang="en-US"/>
           </a:p>
@@ -1844,7 +1844,7 @@
           <a:p>
             <a:fld id="{8F804181-F1E6-4734-A4C4-1A5F8F9BD290}" type="datetimeFigureOut">
               <a:rPr lang="en-US" smtClean="0"/>
-              <a:t>6/4/2025</a:t>
+              <a:t>6/5/2025</a:t>
             </a:fld>
             <a:endParaRPr lang="en-US"/>
           </a:p>
@@ -2256,7 +2256,7 @@
           <a:p>
             <a:fld id="{8F804181-F1E6-4734-A4C4-1A5F8F9BD290}" type="datetimeFigureOut">
               <a:rPr lang="en-US" smtClean="0"/>
-              <a:t>6/4/2025</a:t>
+              <a:t>6/5/2025</a:t>
             </a:fld>
             <a:endParaRPr lang="en-US"/>
           </a:p>
@@ -2397,7 +2397,7 @@
           <a:p>
             <a:fld id="{8F804181-F1E6-4734-A4C4-1A5F8F9BD290}" type="datetimeFigureOut">
               <a:rPr lang="en-US" smtClean="0"/>
-              <a:t>6/4/2025</a:t>
+              <a:t>6/5/2025</a:t>
             </a:fld>
             <a:endParaRPr lang="en-US"/>
           </a:p>
@@ -2510,7 +2510,7 @@
           <a:p>
             <a:fld id="{8F804181-F1E6-4734-A4C4-1A5F8F9BD290}" type="datetimeFigureOut">
               <a:rPr lang="en-US" smtClean="0"/>
-              <a:t>6/4/2025</a:t>
+              <a:t>6/5/2025</a:t>
             </a:fld>
             <a:endParaRPr lang="en-US"/>
           </a:p>
@@ -2821,7 +2821,7 @@
           <a:p>
             <a:fld id="{8F804181-F1E6-4734-A4C4-1A5F8F9BD290}" type="datetimeFigureOut">
               <a:rPr lang="en-US" smtClean="0"/>
-              <a:t>6/4/2025</a:t>
+              <a:t>6/5/2025</a:t>
             </a:fld>
             <a:endParaRPr lang="en-US"/>
           </a:p>
@@ -3109,7 +3109,7 @@
           <a:p>
             <a:fld id="{8F804181-F1E6-4734-A4C4-1A5F8F9BD290}" type="datetimeFigureOut">
               <a:rPr lang="en-US" smtClean="0"/>
-              <a:t>6/4/2025</a:t>
+              <a:t>6/5/2025</a:t>
             </a:fld>
             <a:endParaRPr lang="en-US"/>
           </a:p>
@@ -3350,7 +3350,7 @@
           <a:p>
             <a:fld id="{8F804181-F1E6-4734-A4C4-1A5F8F9BD290}" type="datetimeFigureOut">
               <a:rPr lang="en-US" smtClean="0"/>
-              <a:t>6/4/2025</a:t>
+              <a:t>6/5/2025</a:t>
             </a:fld>
             <a:endParaRPr lang="en-US"/>
           </a:p>
@@ -3755,77 +3755,6 @@
   <p:cSld>
     <p:spTree>
       <p:nvGrpSpPr>
-        <p:cNvPr id="1" name="">
-          <a:extLst>
-            <a:ext uri="{FF2B5EF4-FFF2-40B4-BE49-F238E27FC236}">
-              <a16:creationId xmlns:a16="http://schemas.microsoft.com/office/drawing/2014/main" id="{8695C6C5-BDF2-0DFB-12E8-C58B337AFEAC}"/>
-            </a:ext>
-          </a:extLst>
-        </p:cNvPr>
-        <p:cNvGrpSpPr/>
-        <p:nvPr/>
-      </p:nvGrpSpPr>
-      <p:grpSpPr>
-        <a:xfrm>
-          <a:off x="0" y="0"/>
-          <a:ext cx="0" cy="0"/>
-          <a:chOff x="0" y="0"/>
-          <a:chExt cx="0" cy="0"/>
-        </a:xfrm>
-      </p:grpSpPr>
-      <p:sp>
-        <p:nvSpPr>
-          <p:cNvPr id="3" name="TextBox 2">
-            <a:extLst>
-              <a:ext uri="{FF2B5EF4-FFF2-40B4-BE49-F238E27FC236}">
-                <a16:creationId xmlns:a16="http://schemas.microsoft.com/office/drawing/2014/main" id="{F8D6EDE5-BEF6-8531-67A7-325C747B3BF0}"/>
-              </a:ext>
-            </a:extLst>
-          </p:cNvPr>
-          <p:cNvSpPr txBox="1"/>
-          <p:nvPr/>
-        </p:nvSpPr>
-        <p:spPr>
-          <a:xfrm>
-            <a:off x="507782" y="380103"/>
-            <a:ext cx="2124299" cy="477054"/>
-          </a:xfrm>
-          <a:prstGeom prst="rect">
-            <a:avLst/>
-          </a:prstGeom>
-          <a:noFill/>
-        </p:spPr>
-        <p:txBody>
-          <a:bodyPr wrap="none" rtlCol="0">
-            <a:spAutoFit/>
-          </a:bodyPr>
-          <a:lstStyle/>
-          <a:p>
-            <a:r>
-              <a:rPr lang="en-US" sz="2500" b="1" dirty="0"/>
-              <a:t>Model design</a:t>
-            </a:r>
-          </a:p>
-        </p:txBody>
-      </p:sp>
-    </p:spTree>
-    <p:extLst>
-      <p:ext uri="{BB962C8B-B14F-4D97-AF65-F5344CB8AC3E}">
-        <p14:creationId xmlns:p14="http://schemas.microsoft.com/office/powerpoint/2010/main" val="1692783436"/>
-      </p:ext>
-    </p:extLst>
-  </p:cSld>
-  <p:clrMapOvr>
-    <a:masterClrMapping/>
-  </p:clrMapOvr>
-</p:sld>
-</file>
-
-<file path=ppt/slides/slide10.xml><?xml version="1.0" encoding="utf-8"?>
-<p:sld xmlns:a="http://schemas.openxmlformats.org/drawingml/2006/main" xmlns:r="http://schemas.openxmlformats.org/officeDocument/2006/relationships" xmlns:p="http://schemas.openxmlformats.org/presentationml/2006/main">
-  <p:cSld>
-    <p:spTree>
-      <p:nvGrpSpPr>
         <p:cNvPr id="1" name=""/>
         <p:cNvGrpSpPr/>
         <p:nvPr/>
@@ -3840,10 +3769,10 @@
       </p:grpSpPr>
       <p:pic>
         <p:nvPicPr>
-          <p:cNvPr id="5" name="Picture 4">
-            <a:extLst>
-              <a:ext uri="{FF2B5EF4-FFF2-40B4-BE49-F238E27FC236}">
-                <a16:creationId xmlns:a16="http://schemas.microsoft.com/office/drawing/2014/main" id="{CCB2A3A9-4F7A-D87A-4AE7-E1F89CC6C208}"/>
+          <p:cNvPr id="23" name="Picture 22" descr="A graph of a graph&#10;&#10;AI-generated content may be incorrect.">
+            <a:extLst>
+              <a:ext uri="{FF2B5EF4-FFF2-40B4-BE49-F238E27FC236}">
+                <a16:creationId xmlns:a16="http://schemas.microsoft.com/office/drawing/2014/main" id="{5210EA37-F564-0BA0-F4E2-EF93E6FB4A08}"/>
               </a:ext>
             </a:extLst>
           </p:cNvPr>
@@ -3853,15 +3782,266 @@
           <p:nvPr/>
         </p:nvPicPr>
         <p:blipFill>
-          <a:blip r:embed="rId2"/>
+          <a:blip r:embed="rId2">
+            <a:extLst>
+              <a:ext uri="{28A0092B-C50C-407E-A947-70E740481C1C}">
+                <a14:useLocalDpi xmlns:a14="http://schemas.microsoft.com/office/drawing/2010/main" val="0"/>
+              </a:ext>
+            </a:extLst>
+          </a:blip>
+          <a:srcRect l="4115" b="4333"/>
           <a:stretch>
             <a:fillRect/>
           </a:stretch>
         </p:blipFill>
         <p:spPr>
           <a:xfrm>
-            <a:off x="1892872" y="599803"/>
-            <a:ext cx="8406255" cy="5157521"/>
+            <a:off x="1048536" y="2220071"/>
+            <a:ext cx="3218016" cy="2408024"/>
+          </a:xfrm>
+          <a:prstGeom prst="rect">
+            <a:avLst/>
+          </a:prstGeom>
+        </p:spPr>
+      </p:pic>
+      <p:pic>
+        <p:nvPicPr>
+          <p:cNvPr id="20" name="Picture 19" descr="A graph of a training step&#10;&#10;AI-generated content may be incorrect.">
+            <a:extLst>
+              <a:ext uri="{FF2B5EF4-FFF2-40B4-BE49-F238E27FC236}">
+                <a16:creationId xmlns:a16="http://schemas.microsoft.com/office/drawing/2014/main" id="{43CC47D6-3C29-5290-3E4D-0BC70974E3F2}"/>
+              </a:ext>
+            </a:extLst>
+          </p:cNvPr>
+          <p:cNvPicPr>
+            <a:picLocks noChangeAspect="1"/>
+          </p:cNvPicPr>
+          <p:nvPr/>
+        </p:nvPicPr>
+        <p:blipFill>
+          <a:blip r:embed="rId3">
+            <a:extLst>
+              <a:ext uri="{28A0092B-C50C-407E-A947-70E740481C1C}">
+                <a14:useLocalDpi xmlns:a14="http://schemas.microsoft.com/office/drawing/2010/main" val="0"/>
+              </a:ext>
+            </a:extLst>
+          </a:blip>
+          <a:srcRect b="3288"/>
+          <a:stretch>
+            <a:fillRect/>
+          </a:stretch>
+        </p:blipFill>
+        <p:spPr>
+          <a:xfrm>
+            <a:off x="4398698" y="2189887"/>
+            <a:ext cx="3371657" cy="2445613"/>
+          </a:xfrm>
+          <a:prstGeom prst="rect">
+            <a:avLst/>
+          </a:prstGeom>
+        </p:spPr>
+      </p:pic>
+      <p:pic>
+        <p:nvPicPr>
+          <p:cNvPr id="22" name="Picture 21" descr="A graph of a graph&#10;&#10;AI-generated content may be incorrect.">
+            <a:extLst>
+              <a:ext uri="{FF2B5EF4-FFF2-40B4-BE49-F238E27FC236}">
+                <a16:creationId xmlns:a16="http://schemas.microsoft.com/office/drawing/2014/main" id="{85555D5B-F6C2-A093-6C81-4E59F8D9364C}"/>
+              </a:ext>
+            </a:extLst>
+          </p:cNvPr>
+          <p:cNvPicPr>
+            <a:picLocks noChangeAspect="1"/>
+          </p:cNvPicPr>
+          <p:nvPr/>
+        </p:nvPicPr>
+        <p:blipFill>
+          <a:blip r:embed="rId4">
+            <a:extLst>
+              <a:ext uri="{28A0092B-C50C-407E-A947-70E740481C1C}">
+                <a14:useLocalDpi xmlns:a14="http://schemas.microsoft.com/office/drawing/2010/main" val="0"/>
+              </a:ext>
+            </a:extLst>
+          </a:blip>
+          <a:srcRect l="1357" b="4329"/>
+          <a:stretch>
+            <a:fillRect/>
+          </a:stretch>
+        </p:blipFill>
+        <p:spPr>
+          <a:xfrm>
+            <a:off x="7902501" y="2121885"/>
+            <a:ext cx="3476399" cy="2528743"/>
+          </a:xfrm>
+          <a:prstGeom prst="rect">
+            <a:avLst/>
+          </a:prstGeom>
+        </p:spPr>
+      </p:pic>
+      <p:sp>
+        <p:nvSpPr>
+          <p:cNvPr id="14" name="TextBox 13">
+            <a:extLst>
+              <a:ext uri="{FF2B5EF4-FFF2-40B4-BE49-F238E27FC236}">
+                <a16:creationId xmlns:a16="http://schemas.microsoft.com/office/drawing/2014/main" id="{5D420B4A-89BB-595A-B40C-0D6706178D7A}"/>
+              </a:ext>
+            </a:extLst>
+          </p:cNvPr>
+          <p:cNvSpPr txBox="1"/>
+          <p:nvPr/>
+        </p:nvSpPr>
+        <p:spPr>
+          <a:xfrm>
+            <a:off x="1912666" y="4628095"/>
+            <a:ext cx="1398203" cy="338554"/>
+          </a:xfrm>
+          <a:prstGeom prst="rect">
+            <a:avLst/>
+          </a:prstGeom>
+          <a:noFill/>
+        </p:spPr>
+        <p:txBody>
+          <a:bodyPr wrap="none" rtlCol="0">
+            <a:spAutoFit/>
+          </a:bodyPr>
+          <a:lstStyle/>
+          <a:p>
+            <a:r>
+              <a:rPr lang="en-US" sz="1600" dirty="0"/>
+              <a:t>Training steps</a:t>
+            </a:r>
+          </a:p>
+        </p:txBody>
+      </p:sp>
+      <p:sp>
+        <p:nvSpPr>
+          <p:cNvPr id="15" name="TextBox 14">
+            <a:extLst>
+              <a:ext uri="{FF2B5EF4-FFF2-40B4-BE49-F238E27FC236}">
+                <a16:creationId xmlns:a16="http://schemas.microsoft.com/office/drawing/2014/main" id="{FFAFEDD0-2604-8F48-8A9B-DAE3DE0C0F17}"/>
+              </a:ext>
+            </a:extLst>
+          </p:cNvPr>
+          <p:cNvSpPr txBox="1"/>
+          <p:nvPr/>
+        </p:nvSpPr>
+        <p:spPr>
+          <a:xfrm>
+            <a:off x="5398202" y="4628095"/>
+            <a:ext cx="1398203" cy="338554"/>
+          </a:xfrm>
+          <a:prstGeom prst="rect">
+            <a:avLst/>
+          </a:prstGeom>
+          <a:noFill/>
+        </p:spPr>
+        <p:txBody>
+          <a:bodyPr wrap="none" rtlCol="0">
+            <a:spAutoFit/>
+          </a:bodyPr>
+          <a:lstStyle/>
+          <a:p>
+            <a:r>
+              <a:rPr lang="en-US" sz="1600" dirty="0"/>
+              <a:t>Training steps</a:t>
+            </a:r>
+          </a:p>
+        </p:txBody>
+      </p:sp>
+      <p:sp>
+        <p:nvSpPr>
+          <p:cNvPr id="16" name="TextBox 15">
+            <a:extLst>
+              <a:ext uri="{FF2B5EF4-FFF2-40B4-BE49-F238E27FC236}">
+                <a16:creationId xmlns:a16="http://schemas.microsoft.com/office/drawing/2014/main" id="{F1D2A269-A07B-8C19-5CB4-D5B4B48573E4}"/>
+              </a:ext>
+            </a:extLst>
+          </p:cNvPr>
+          <p:cNvSpPr txBox="1"/>
+          <p:nvPr/>
+        </p:nvSpPr>
+        <p:spPr>
+          <a:xfrm>
+            <a:off x="9022688" y="4637928"/>
+            <a:ext cx="1398203" cy="338554"/>
+          </a:xfrm>
+          <a:prstGeom prst="rect">
+            <a:avLst/>
+          </a:prstGeom>
+          <a:noFill/>
+        </p:spPr>
+        <p:txBody>
+          <a:bodyPr wrap="none" rtlCol="0">
+            <a:spAutoFit/>
+          </a:bodyPr>
+          <a:lstStyle/>
+          <a:p>
+            <a:r>
+              <a:rPr lang="en-US" sz="1600" dirty="0"/>
+              <a:t>Training steps</a:t>
+            </a:r>
+          </a:p>
+        </p:txBody>
+      </p:sp>
+      <p:sp>
+        <p:nvSpPr>
+          <p:cNvPr id="17" name="TextBox 16">
+            <a:extLst>
+              <a:ext uri="{FF2B5EF4-FFF2-40B4-BE49-F238E27FC236}">
+                <a16:creationId xmlns:a16="http://schemas.microsoft.com/office/drawing/2014/main" id="{B3983BF1-6F8E-313D-74B7-BB284860ACFC}"/>
+              </a:ext>
+            </a:extLst>
+          </p:cNvPr>
+          <p:cNvSpPr txBox="1"/>
+          <p:nvPr/>
+        </p:nvSpPr>
+        <p:spPr>
+          <a:xfrm>
+            <a:off x="507782" y="380103"/>
+            <a:ext cx="1326069" cy="477054"/>
+          </a:xfrm>
+          <a:prstGeom prst="rect">
+            <a:avLst/>
+          </a:prstGeom>
+          <a:noFill/>
+        </p:spPr>
+        <p:txBody>
+          <a:bodyPr wrap="none" rtlCol="0">
+            <a:spAutoFit/>
+          </a:bodyPr>
+          <a:lstStyle/>
+          <a:p>
+            <a:r>
+              <a:rPr lang="en-US" sz="2500" b="1" dirty="0"/>
+              <a:t>Training</a:t>
+            </a:r>
+          </a:p>
+        </p:txBody>
+      </p:sp>
+      <p:pic>
+        <p:nvPicPr>
+          <p:cNvPr id="18" name="Picture 17">
+            <a:extLst>
+              <a:ext uri="{FF2B5EF4-FFF2-40B4-BE49-F238E27FC236}">
+                <a16:creationId xmlns:a16="http://schemas.microsoft.com/office/drawing/2014/main" id="{1D2BA274-584A-1099-0771-58256328B9F9}"/>
+              </a:ext>
+            </a:extLst>
+          </p:cNvPr>
+          <p:cNvPicPr>
+            <a:picLocks noChangeAspect="1"/>
+          </p:cNvPicPr>
+          <p:nvPr/>
+        </p:nvPicPr>
+        <p:blipFill>
+          <a:blip r:embed="rId5"/>
+          <a:stretch>
+            <a:fillRect/>
+          </a:stretch>
+        </p:blipFill>
+        <p:spPr>
+          <a:xfrm>
+            <a:off x="1217726" y="5378074"/>
+            <a:ext cx="3219899" cy="876422"/>
           </a:xfrm>
           <a:prstGeom prst="rect">
             <a:avLst/>
@@ -3871,67 +4051,7 @@
     </p:spTree>
     <p:extLst>
       <p:ext uri="{BB962C8B-B14F-4D97-AF65-F5344CB8AC3E}">
-        <p14:creationId xmlns:p14="http://schemas.microsoft.com/office/powerpoint/2010/main" val="3889667160"/>
-      </p:ext>
-    </p:extLst>
-  </p:cSld>
-  <p:clrMapOvr>
-    <a:masterClrMapping/>
-  </p:clrMapOvr>
-</p:sld>
-</file>
-
-<file path=ppt/slides/slide11.xml><?xml version="1.0" encoding="utf-8"?>
-<p:sld xmlns:a="http://schemas.openxmlformats.org/drawingml/2006/main" xmlns:r="http://schemas.openxmlformats.org/officeDocument/2006/relationships" xmlns:p="http://schemas.openxmlformats.org/presentationml/2006/main">
-  <p:cSld>
-    <p:spTree>
-      <p:nvGrpSpPr>
-        <p:cNvPr id="1" name=""/>
-        <p:cNvGrpSpPr/>
-        <p:nvPr/>
-      </p:nvGrpSpPr>
-      <p:grpSpPr>
-        <a:xfrm>
-          <a:off x="0" y="0"/>
-          <a:ext cx="0" cy="0"/>
-          <a:chOff x="0" y="0"/>
-          <a:chExt cx="0" cy="0"/>
-        </a:xfrm>
-      </p:grpSpPr>
-      <p:pic>
-        <p:nvPicPr>
-          <p:cNvPr id="5" name="Picture 4">
-            <a:extLst>
-              <a:ext uri="{FF2B5EF4-FFF2-40B4-BE49-F238E27FC236}">
-                <a16:creationId xmlns:a16="http://schemas.microsoft.com/office/drawing/2014/main" id="{3B67255D-FF03-77C7-520D-52CDEA3542AB}"/>
-              </a:ext>
-            </a:extLst>
-          </p:cNvPr>
-          <p:cNvPicPr>
-            <a:picLocks noChangeAspect="1"/>
-          </p:cNvPicPr>
-          <p:nvPr/>
-        </p:nvPicPr>
-        <p:blipFill>
-          <a:blip r:embed="rId2"/>
-          <a:stretch>
-            <a:fillRect/>
-          </a:stretch>
-        </p:blipFill>
-        <p:spPr>
-          <a:xfrm>
-            <a:off x="2820228" y="381000"/>
-            <a:ext cx="5748234" cy="5686425"/>
-          </a:xfrm>
-          <a:prstGeom prst="rect">
-            <a:avLst/>
-          </a:prstGeom>
-        </p:spPr>
-      </p:pic>
-    </p:spTree>
-    <p:extLst>
-      <p:ext uri="{BB962C8B-B14F-4D97-AF65-F5344CB8AC3E}">
-        <p14:creationId xmlns:p14="http://schemas.microsoft.com/office/powerpoint/2010/main" val="3779038231"/>
+        <p14:creationId xmlns:p14="http://schemas.microsoft.com/office/powerpoint/2010/main" val="1471972304"/>
       </p:ext>
     </p:extLst>
   </p:cSld>
@@ -3958,12 +4078,47 @@
           <a:chExt cx="0" cy="0"/>
         </a:xfrm>
       </p:grpSpPr>
+      <p:sp>
+        <p:nvSpPr>
+          <p:cNvPr id="8" name="TextBox 7">
+            <a:extLst>
+              <a:ext uri="{FF2B5EF4-FFF2-40B4-BE49-F238E27FC236}">
+                <a16:creationId xmlns:a16="http://schemas.microsoft.com/office/drawing/2014/main" id="{F607F2C3-9FF1-DFC9-5C20-6B91C990CB52}"/>
+              </a:ext>
+            </a:extLst>
+          </p:cNvPr>
+          <p:cNvSpPr txBox="1"/>
+          <p:nvPr/>
+        </p:nvSpPr>
+        <p:spPr>
+          <a:xfrm>
+            <a:off x="1707735" y="5938068"/>
+            <a:ext cx="1002197" cy="369332"/>
+          </a:xfrm>
+          <a:prstGeom prst="rect">
+            <a:avLst/>
+          </a:prstGeom>
+          <a:noFill/>
+        </p:spPr>
+        <p:txBody>
+          <a:bodyPr wrap="none" rtlCol="0">
+            <a:spAutoFit/>
+          </a:bodyPr>
+          <a:lstStyle/>
+          <a:p>
+            <a:r>
+              <a:rPr lang="en-US" dirty="0"/>
+              <a:t>ARI 0.18</a:t>
+            </a:r>
+          </a:p>
+        </p:txBody>
+      </p:sp>
       <p:pic>
         <p:nvPicPr>
-          <p:cNvPr id="23" name="Picture 22" descr="A graph of a graph&#10;&#10;AI-generated content may be incorrect.">
-            <a:extLst>
-              <a:ext uri="{FF2B5EF4-FFF2-40B4-BE49-F238E27FC236}">
-                <a16:creationId xmlns:a16="http://schemas.microsoft.com/office/drawing/2014/main" id="{5210EA37-F564-0BA0-F4E2-EF93E6FB4A08}"/>
+          <p:cNvPr id="14" name="Picture 13" descr="A yellow and black squares with white text&#10;&#10;AI-generated content may be incorrect.">
+            <a:extLst>
+              <a:ext uri="{FF2B5EF4-FFF2-40B4-BE49-F238E27FC236}">
+                <a16:creationId xmlns:a16="http://schemas.microsoft.com/office/drawing/2014/main" id="{D3466872-A092-CE90-9784-82F4E7E9BB2F}"/>
               </a:ext>
             </a:extLst>
           </p:cNvPr>
@@ -3980,15 +4135,15 @@
               </a:ext>
             </a:extLst>
           </a:blip>
-          <a:srcRect l="4115" b="4333"/>
+          <a:srcRect l="16526" t="12139" r="13952" b="18130"/>
           <a:stretch>
             <a:fillRect/>
           </a:stretch>
         </p:blipFill>
         <p:spPr>
           <a:xfrm>
-            <a:off x="1048536" y="2220071"/>
-            <a:ext cx="3218016" cy="2408024"/>
+            <a:off x="1538236" y="845320"/>
+            <a:ext cx="4770902" cy="4785360"/>
           </a:xfrm>
           <a:prstGeom prst="rect">
             <a:avLst/>
@@ -3997,10 +4152,10 @@
       </p:pic>
       <p:pic>
         <p:nvPicPr>
-          <p:cNvPr id="20" name="Picture 19" descr="A graph of a training step&#10;&#10;AI-generated content may be incorrect.">
-            <a:extLst>
-              <a:ext uri="{FF2B5EF4-FFF2-40B4-BE49-F238E27FC236}">
-                <a16:creationId xmlns:a16="http://schemas.microsoft.com/office/drawing/2014/main" id="{43CC47D6-3C29-5290-3E4D-0BC70974E3F2}"/>
+          <p:cNvPr id="9" name="Picture 8" descr="A colorful squares with different colors&#10;&#10;AI-generated content may be incorrect.">
+            <a:extLst>
+              <a:ext uri="{FF2B5EF4-FFF2-40B4-BE49-F238E27FC236}">
+                <a16:creationId xmlns:a16="http://schemas.microsoft.com/office/drawing/2014/main" id="{959212EC-C6F5-5194-2E64-D4A8E457DF2A}"/>
               </a:ext>
             </a:extLst>
           </p:cNvPr>
@@ -4017,15 +4172,15 @@
               </a:ext>
             </a:extLst>
           </a:blip>
-          <a:srcRect b="3288"/>
+          <a:srcRect l="12762" t="85802" r="10127" b="11198"/>
           <a:stretch>
             <a:fillRect/>
           </a:stretch>
         </p:blipFill>
         <p:spPr>
           <a:xfrm>
-            <a:off x="4398698" y="2189887"/>
-            <a:ext cx="3371657" cy="2445613"/>
+            <a:off x="1538237" y="5621154"/>
+            <a:ext cx="4766310" cy="186690"/>
           </a:xfrm>
           <a:prstGeom prst="rect">
             <a:avLst/>
@@ -4034,10 +4189,10 @@
       </p:pic>
       <p:pic>
         <p:nvPicPr>
-          <p:cNvPr id="22" name="Picture 21" descr="A graph of a graph&#10;&#10;AI-generated content may be incorrect.">
-            <a:extLst>
-              <a:ext uri="{FF2B5EF4-FFF2-40B4-BE49-F238E27FC236}">
-                <a16:creationId xmlns:a16="http://schemas.microsoft.com/office/drawing/2014/main" id="{85555D5B-F6C2-A093-6C81-4E59F8D9364C}"/>
+          <p:cNvPr id="10" name="Picture 9" descr="A colorful squares with different colors&#10;&#10;AI-generated content may be incorrect.">
+            <a:extLst>
+              <a:ext uri="{FF2B5EF4-FFF2-40B4-BE49-F238E27FC236}">
+                <a16:creationId xmlns:a16="http://schemas.microsoft.com/office/drawing/2014/main" id="{F98E14F0-5DA2-611D-03CB-52A1FF27F0DA}"/>
               </a:ext>
             </a:extLst>
           </p:cNvPr>
@@ -4047,22 +4202,22 @@
           <p:nvPr/>
         </p:nvPicPr>
         <p:blipFill>
-          <a:blip r:embed="rId4">
+          <a:blip r:embed="rId3">
             <a:extLst>
               <a:ext uri="{28A0092B-C50C-407E-A947-70E740481C1C}">
                 <a14:useLocalDpi xmlns:a14="http://schemas.microsoft.com/office/drawing/2010/main" val="0"/>
               </a:ext>
             </a:extLst>
           </a:blip>
-          <a:srcRect l="1357" b="4329"/>
+          <a:srcRect l="12762" t="85802" r="10127" b="11198"/>
           <a:stretch>
             <a:fillRect/>
           </a:stretch>
         </p:blipFill>
         <p:spPr>
-          <a:xfrm>
-            <a:off x="7902501" y="2121885"/>
-            <a:ext cx="3476399" cy="2528743"/>
+          <a:xfrm rot="16200000">
+            <a:off x="-938263" y="3135129"/>
+            <a:ext cx="4766310" cy="186690"/>
           </a:xfrm>
           <a:prstGeom prst="rect">
             <a:avLst/>
@@ -4071,10 +4226,10 @@
       </p:pic>
       <p:sp>
         <p:nvSpPr>
-          <p:cNvPr id="14" name="TextBox 13">
-            <a:extLst>
-              <a:ext uri="{FF2B5EF4-FFF2-40B4-BE49-F238E27FC236}">
-                <a16:creationId xmlns:a16="http://schemas.microsoft.com/office/drawing/2014/main" id="{5D420B4A-89BB-595A-B40C-0D6706178D7A}"/>
+          <p:cNvPr id="11" name="TextBox 10">
+            <a:extLst>
+              <a:ext uri="{FF2B5EF4-FFF2-40B4-BE49-F238E27FC236}">
+                <a16:creationId xmlns:a16="http://schemas.microsoft.com/office/drawing/2014/main" id="{7AADEB7E-3785-3414-C41C-24EF9BE5D745}"/>
               </a:ext>
             </a:extLst>
           </p:cNvPr>
@@ -4083,8 +4238,8 @@
         </p:nvSpPr>
         <p:spPr>
           <a:xfrm>
-            <a:off x="1912666" y="4628095"/>
-            <a:ext cx="1398203" cy="338554"/>
+            <a:off x="1275878" y="444111"/>
+            <a:ext cx="2342757" cy="369332"/>
           </a:xfrm>
           <a:prstGeom prst="rect">
             <a:avLst/>
@@ -4098,123 +4253,18 @@
           <a:lstStyle/>
           <a:p>
             <a:r>
-              <a:rPr lang="en-US" sz="1600" dirty="0"/>
-              <a:t>Training steps</a:t>
-            </a:r>
-          </a:p>
-        </p:txBody>
-      </p:sp>
-      <p:sp>
-        <p:nvSpPr>
-          <p:cNvPr id="15" name="TextBox 14">
-            <a:extLst>
-              <a:ext uri="{FF2B5EF4-FFF2-40B4-BE49-F238E27FC236}">
-                <a16:creationId xmlns:a16="http://schemas.microsoft.com/office/drawing/2014/main" id="{FFAFEDD0-2604-8F48-8A9B-DAE3DE0C0F17}"/>
-              </a:ext>
-            </a:extLst>
-          </p:cNvPr>
-          <p:cNvSpPr txBox="1"/>
-          <p:nvPr/>
-        </p:nvSpPr>
-        <p:spPr>
-          <a:xfrm>
-            <a:off x="5398202" y="4628095"/>
-            <a:ext cx="1398203" cy="338554"/>
-          </a:xfrm>
-          <a:prstGeom prst="rect">
-            <a:avLst/>
-          </a:prstGeom>
-          <a:noFill/>
-        </p:spPr>
-        <p:txBody>
-          <a:bodyPr wrap="none" rtlCol="0">
-            <a:spAutoFit/>
-          </a:bodyPr>
-          <a:lstStyle/>
-          <a:p>
-            <a:r>
-              <a:rPr lang="en-US" sz="1600" dirty="0"/>
-              <a:t>Training steps</a:t>
-            </a:r>
-          </a:p>
-        </p:txBody>
-      </p:sp>
-      <p:sp>
-        <p:nvSpPr>
-          <p:cNvPr id="16" name="TextBox 15">
-            <a:extLst>
-              <a:ext uri="{FF2B5EF4-FFF2-40B4-BE49-F238E27FC236}">
-                <a16:creationId xmlns:a16="http://schemas.microsoft.com/office/drawing/2014/main" id="{F1D2A269-A07B-8C19-5CB4-D5B4B48573E4}"/>
-              </a:ext>
-            </a:extLst>
-          </p:cNvPr>
-          <p:cNvSpPr txBox="1"/>
-          <p:nvPr/>
-        </p:nvSpPr>
-        <p:spPr>
-          <a:xfrm>
-            <a:off x="9022688" y="4637928"/>
-            <a:ext cx="1398203" cy="338554"/>
-          </a:xfrm>
-          <a:prstGeom prst="rect">
-            <a:avLst/>
-          </a:prstGeom>
-          <a:noFill/>
-        </p:spPr>
-        <p:txBody>
-          <a:bodyPr wrap="none" rtlCol="0">
-            <a:spAutoFit/>
-          </a:bodyPr>
-          <a:lstStyle/>
-          <a:p>
-            <a:r>
-              <a:rPr lang="en-US" sz="1600" dirty="0"/>
-              <a:t>Training steps</a:t>
-            </a:r>
-          </a:p>
-        </p:txBody>
-      </p:sp>
-      <p:sp>
-        <p:nvSpPr>
-          <p:cNvPr id="17" name="TextBox 16">
-            <a:extLst>
-              <a:ext uri="{FF2B5EF4-FFF2-40B4-BE49-F238E27FC236}">
-                <a16:creationId xmlns:a16="http://schemas.microsoft.com/office/drawing/2014/main" id="{B3983BF1-6F8E-313D-74B7-BB284860ACFC}"/>
-              </a:ext>
-            </a:extLst>
-          </p:cNvPr>
-          <p:cNvSpPr txBox="1"/>
-          <p:nvPr/>
-        </p:nvSpPr>
-        <p:spPr>
-          <a:xfrm>
-            <a:off x="507782" y="380103"/>
-            <a:ext cx="1326069" cy="477054"/>
-          </a:xfrm>
-          <a:prstGeom prst="rect">
-            <a:avLst/>
-          </a:prstGeom>
-          <a:noFill/>
-        </p:spPr>
-        <p:txBody>
-          <a:bodyPr wrap="none" rtlCol="0">
-            <a:spAutoFit/>
-          </a:bodyPr>
-          <a:lstStyle/>
-          <a:p>
-            <a:r>
-              <a:rPr lang="en-US" sz="2500" b="1" dirty="0"/>
-              <a:t>Training</a:t>
+              <a:rPr lang="en-US" dirty="0"/>
+              <a:t>After 50 training steps</a:t>
             </a:r>
           </a:p>
         </p:txBody>
       </p:sp>
       <p:pic>
         <p:nvPicPr>
-          <p:cNvPr id="18" name="Picture 17">
-            <a:extLst>
-              <a:ext uri="{FF2B5EF4-FFF2-40B4-BE49-F238E27FC236}">
-                <a16:creationId xmlns:a16="http://schemas.microsoft.com/office/drawing/2014/main" id="{1D2BA274-584A-1099-0771-58256328B9F9}"/>
+          <p:cNvPr id="23" name="Picture 22" descr="A graph of a number of images&#10;&#10;AI-generated content may be incorrect.">
+            <a:extLst>
+              <a:ext uri="{FF2B5EF4-FFF2-40B4-BE49-F238E27FC236}">
+                <a16:creationId xmlns:a16="http://schemas.microsoft.com/office/drawing/2014/main" id="{86149AEE-890D-DA73-6E9C-CB2C00870999}"/>
               </a:ext>
             </a:extLst>
           </p:cNvPr>
@@ -4224,25 +4274,209 @@
           <p:nvPr/>
         </p:nvPicPr>
         <p:blipFill>
-          <a:blip r:embed="rId5"/>
+          <a:blip r:embed="rId4">
+            <a:extLst>
+              <a:ext uri="{28A0092B-C50C-407E-A947-70E740481C1C}">
+                <a14:useLocalDpi xmlns:a14="http://schemas.microsoft.com/office/drawing/2010/main" val="0"/>
+              </a:ext>
+            </a:extLst>
+          </a:blip>
+          <a:srcRect t="11754"/>
           <a:stretch>
             <a:fillRect/>
           </a:stretch>
         </p:blipFill>
         <p:spPr>
           <a:xfrm>
-            <a:off x="1217726" y="5378074"/>
-            <a:ext cx="3219899" cy="876422"/>
+            <a:off x="6674839" y="1237227"/>
+            <a:ext cx="4913917" cy="4336355"/>
           </a:xfrm>
           <a:prstGeom prst="rect">
             <a:avLst/>
           </a:prstGeom>
         </p:spPr>
       </p:pic>
+      <p:sp>
+        <p:nvSpPr>
+          <p:cNvPr id="19" name="TextBox 18">
+            <a:extLst>
+              <a:ext uri="{FF2B5EF4-FFF2-40B4-BE49-F238E27FC236}">
+                <a16:creationId xmlns:a16="http://schemas.microsoft.com/office/drawing/2014/main" id="{86292417-B782-6C13-61E7-B3608FE559FB}"/>
+              </a:ext>
+            </a:extLst>
+          </p:cNvPr>
+          <p:cNvSpPr txBox="1"/>
+          <p:nvPr/>
+        </p:nvSpPr>
+        <p:spPr>
+          <a:xfrm>
+            <a:off x="5759275" y="6186550"/>
+            <a:ext cx="5829481" cy="369332"/>
+          </a:xfrm>
+          <a:prstGeom prst="rect">
+            <a:avLst/>
+          </a:prstGeom>
+          <a:noFill/>
+        </p:spPr>
+        <p:txBody>
+          <a:bodyPr wrap="none" rtlCol="0">
+            <a:spAutoFit/>
+          </a:bodyPr>
+          <a:lstStyle/>
+          <a:p>
+            <a:r>
+              <a:rPr lang="en-US" i="1" dirty="0"/>
+              <a:t>Only showing for 7 representative images in validation set</a:t>
+            </a:r>
+          </a:p>
+        </p:txBody>
+      </p:sp>
+      <p:sp>
+        <p:nvSpPr>
+          <p:cNvPr id="20" name="TextBox 19">
+            <a:extLst>
+              <a:ext uri="{FF2B5EF4-FFF2-40B4-BE49-F238E27FC236}">
+                <a16:creationId xmlns:a16="http://schemas.microsoft.com/office/drawing/2014/main" id="{10EEBDFE-99F4-72D5-7958-2374029AFE0F}"/>
+              </a:ext>
+            </a:extLst>
+          </p:cNvPr>
+          <p:cNvSpPr txBox="1"/>
+          <p:nvPr/>
+        </p:nvSpPr>
+        <p:spPr>
+          <a:xfrm>
+            <a:off x="512059" y="5560610"/>
+            <a:ext cx="1026178" cy="307777"/>
+          </a:xfrm>
+          <a:prstGeom prst="rect">
+            <a:avLst/>
+          </a:prstGeom>
+          <a:noFill/>
+        </p:spPr>
+        <p:txBody>
+          <a:bodyPr wrap="none" rtlCol="0">
+            <a:spAutoFit/>
+          </a:bodyPr>
+          <a:lstStyle/>
+          <a:p>
+            <a:r>
+              <a:rPr lang="en-US" sz="1400" dirty="0"/>
+              <a:t>True labels</a:t>
+            </a:r>
+          </a:p>
+        </p:txBody>
+      </p:sp>
+      <p:sp>
+        <p:nvSpPr>
+          <p:cNvPr id="22" name="TextBox 21">
+            <a:extLst>
+              <a:ext uri="{FF2B5EF4-FFF2-40B4-BE49-F238E27FC236}">
+                <a16:creationId xmlns:a16="http://schemas.microsoft.com/office/drawing/2014/main" id="{4DE17189-74B8-CEE4-0812-BB025D57E019}"/>
+              </a:ext>
+            </a:extLst>
+          </p:cNvPr>
+          <p:cNvSpPr txBox="1"/>
+          <p:nvPr/>
+        </p:nvSpPr>
+        <p:spPr>
+          <a:xfrm>
+            <a:off x="7338350" y="444111"/>
+            <a:ext cx="3276538" cy="477054"/>
+          </a:xfrm>
+          <a:prstGeom prst="rect">
+            <a:avLst/>
+          </a:prstGeom>
+          <a:noFill/>
+        </p:spPr>
+        <p:txBody>
+          <a:bodyPr wrap="none" rtlCol="0">
+            <a:spAutoFit/>
+          </a:bodyPr>
+          <a:lstStyle/>
+          <a:p>
+            <a:r>
+              <a:rPr lang="en-US" sz="2500" b="1" dirty="0"/>
+              <a:t>Training Visualization</a:t>
+            </a:r>
+          </a:p>
+        </p:txBody>
+      </p:sp>
+      <p:pic>
+        <p:nvPicPr>
+          <p:cNvPr id="24" name="Picture 23" descr="A colorful squares with different colors&#10;&#10;AI-generated content may be incorrect.">
+            <a:extLst>
+              <a:ext uri="{FF2B5EF4-FFF2-40B4-BE49-F238E27FC236}">
+                <a16:creationId xmlns:a16="http://schemas.microsoft.com/office/drawing/2014/main" id="{7D00A0DA-D2CA-B510-7DAC-7ECD97404328}"/>
+              </a:ext>
+            </a:extLst>
+          </p:cNvPr>
+          <p:cNvPicPr>
+            <a:picLocks noChangeAspect="1"/>
+          </p:cNvPicPr>
+          <p:nvPr/>
+        </p:nvPicPr>
+        <p:blipFill>
+          <a:blip r:embed="rId5">
+            <a:extLst>
+              <a:ext uri="{28A0092B-C50C-407E-A947-70E740481C1C}">
+                <a14:useLocalDpi xmlns:a14="http://schemas.microsoft.com/office/drawing/2010/main" val="0"/>
+              </a:ext>
+            </a:extLst>
+          </a:blip>
+          <a:srcRect l="78623" t="12500" r="20162" b="29814"/>
+          <a:stretch>
+            <a:fillRect/>
+          </a:stretch>
+        </p:blipFill>
+        <p:spPr>
+          <a:xfrm>
+            <a:off x="783739" y="2015958"/>
+            <a:ext cx="241409" cy="2109907"/>
+          </a:xfrm>
+          <a:prstGeom prst="rect">
+            <a:avLst/>
+          </a:prstGeom>
+        </p:spPr>
+      </p:pic>
+      <p:sp>
+        <p:nvSpPr>
+          <p:cNvPr id="25" name="TextBox 24">
+            <a:extLst>
+              <a:ext uri="{FF2B5EF4-FFF2-40B4-BE49-F238E27FC236}">
+                <a16:creationId xmlns:a16="http://schemas.microsoft.com/office/drawing/2014/main" id="{A7C025D2-4BB6-0CB1-082E-AC691A4CA7E3}"/>
+              </a:ext>
+            </a:extLst>
+          </p:cNvPr>
+          <p:cNvSpPr txBox="1"/>
+          <p:nvPr/>
+        </p:nvSpPr>
+        <p:spPr>
+          <a:xfrm rot="16200000">
+            <a:off x="-155875" y="2799768"/>
+            <a:ext cx="1481496" cy="307777"/>
+          </a:xfrm>
+          <a:prstGeom prst="rect">
+            <a:avLst/>
+          </a:prstGeom>
+          <a:noFill/>
+        </p:spPr>
+        <p:txBody>
+          <a:bodyPr wrap="none" rtlCol="0">
+            <a:spAutoFit/>
+          </a:bodyPr>
+          <a:lstStyle/>
+          <a:p>
+            <a:r>
+              <a:rPr lang="en-US" sz="1400" dirty="0"/>
+              <a:t>Cosine similarity</a:t>
+            </a:r>
+          </a:p>
+        </p:txBody>
+      </p:sp>
     </p:spTree>
     <p:extLst>
       <p:ext uri="{BB962C8B-B14F-4D97-AF65-F5344CB8AC3E}">
-        <p14:creationId xmlns:p14="http://schemas.microsoft.com/office/powerpoint/2010/main" val="1471972304"/>
+        <p14:creationId xmlns:p14="http://schemas.microsoft.com/office/powerpoint/2010/main" val="3445093702"/>
       </p:ext>
     </p:extLst>
   </p:cSld>
@@ -4269,431 +4503,6 @@
           <a:chExt cx="0" cy="0"/>
         </a:xfrm>
       </p:grpSpPr>
-      <p:sp>
-        <p:nvSpPr>
-          <p:cNvPr id="8" name="TextBox 7">
-            <a:extLst>
-              <a:ext uri="{FF2B5EF4-FFF2-40B4-BE49-F238E27FC236}">
-                <a16:creationId xmlns:a16="http://schemas.microsoft.com/office/drawing/2014/main" id="{F607F2C3-9FF1-DFC9-5C20-6B91C990CB52}"/>
-              </a:ext>
-            </a:extLst>
-          </p:cNvPr>
-          <p:cNvSpPr txBox="1"/>
-          <p:nvPr/>
-        </p:nvSpPr>
-        <p:spPr>
-          <a:xfrm>
-            <a:off x="1707735" y="5938068"/>
-            <a:ext cx="1002197" cy="369332"/>
-          </a:xfrm>
-          <a:prstGeom prst="rect">
-            <a:avLst/>
-          </a:prstGeom>
-          <a:noFill/>
-        </p:spPr>
-        <p:txBody>
-          <a:bodyPr wrap="none" rtlCol="0">
-            <a:spAutoFit/>
-          </a:bodyPr>
-          <a:lstStyle/>
-          <a:p>
-            <a:r>
-              <a:rPr lang="en-US" dirty="0"/>
-              <a:t>ARI 0.18</a:t>
-            </a:r>
-          </a:p>
-        </p:txBody>
-      </p:sp>
-      <p:pic>
-        <p:nvPicPr>
-          <p:cNvPr id="14" name="Picture 13" descr="A yellow and black squares with white text&#10;&#10;AI-generated content may be incorrect.">
-            <a:extLst>
-              <a:ext uri="{FF2B5EF4-FFF2-40B4-BE49-F238E27FC236}">
-                <a16:creationId xmlns:a16="http://schemas.microsoft.com/office/drawing/2014/main" id="{D3466872-A092-CE90-9784-82F4E7E9BB2F}"/>
-              </a:ext>
-            </a:extLst>
-          </p:cNvPr>
-          <p:cNvPicPr>
-            <a:picLocks noChangeAspect="1"/>
-          </p:cNvPicPr>
-          <p:nvPr/>
-        </p:nvPicPr>
-        <p:blipFill>
-          <a:blip r:embed="rId2">
-            <a:extLst>
-              <a:ext uri="{28A0092B-C50C-407E-A947-70E740481C1C}">
-                <a14:useLocalDpi xmlns:a14="http://schemas.microsoft.com/office/drawing/2010/main" val="0"/>
-              </a:ext>
-            </a:extLst>
-          </a:blip>
-          <a:srcRect l="16526" t="12139" r="13952" b="18130"/>
-          <a:stretch>
-            <a:fillRect/>
-          </a:stretch>
-        </p:blipFill>
-        <p:spPr>
-          <a:xfrm>
-            <a:off x="1538236" y="845320"/>
-            <a:ext cx="4770902" cy="4785360"/>
-          </a:xfrm>
-          <a:prstGeom prst="rect">
-            <a:avLst/>
-          </a:prstGeom>
-        </p:spPr>
-      </p:pic>
-      <p:pic>
-        <p:nvPicPr>
-          <p:cNvPr id="9" name="Picture 8" descr="A colorful squares with different colors&#10;&#10;AI-generated content may be incorrect.">
-            <a:extLst>
-              <a:ext uri="{FF2B5EF4-FFF2-40B4-BE49-F238E27FC236}">
-                <a16:creationId xmlns:a16="http://schemas.microsoft.com/office/drawing/2014/main" id="{959212EC-C6F5-5194-2E64-D4A8E457DF2A}"/>
-              </a:ext>
-            </a:extLst>
-          </p:cNvPr>
-          <p:cNvPicPr>
-            <a:picLocks noChangeAspect="1"/>
-          </p:cNvPicPr>
-          <p:nvPr/>
-        </p:nvPicPr>
-        <p:blipFill>
-          <a:blip r:embed="rId3">
-            <a:extLst>
-              <a:ext uri="{28A0092B-C50C-407E-A947-70E740481C1C}">
-                <a14:useLocalDpi xmlns:a14="http://schemas.microsoft.com/office/drawing/2010/main" val="0"/>
-              </a:ext>
-            </a:extLst>
-          </a:blip>
-          <a:srcRect l="12762" t="85802" r="10127" b="11198"/>
-          <a:stretch>
-            <a:fillRect/>
-          </a:stretch>
-        </p:blipFill>
-        <p:spPr>
-          <a:xfrm>
-            <a:off x="1538237" y="5621154"/>
-            <a:ext cx="4766310" cy="186690"/>
-          </a:xfrm>
-          <a:prstGeom prst="rect">
-            <a:avLst/>
-          </a:prstGeom>
-        </p:spPr>
-      </p:pic>
-      <p:pic>
-        <p:nvPicPr>
-          <p:cNvPr id="10" name="Picture 9" descr="A colorful squares with different colors&#10;&#10;AI-generated content may be incorrect.">
-            <a:extLst>
-              <a:ext uri="{FF2B5EF4-FFF2-40B4-BE49-F238E27FC236}">
-                <a16:creationId xmlns:a16="http://schemas.microsoft.com/office/drawing/2014/main" id="{F98E14F0-5DA2-611D-03CB-52A1FF27F0DA}"/>
-              </a:ext>
-            </a:extLst>
-          </p:cNvPr>
-          <p:cNvPicPr>
-            <a:picLocks noChangeAspect="1"/>
-          </p:cNvPicPr>
-          <p:nvPr/>
-        </p:nvPicPr>
-        <p:blipFill>
-          <a:blip r:embed="rId3">
-            <a:extLst>
-              <a:ext uri="{28A0092B-C50C-407E-A947-70E740481C1C}">
-                <a14:useLocalDpi xmlns:a14="http://schemas.microsoft.com/office/drawing/2010/main" val="0"/>
-              </a:ext>
-            </a:extLst>
-          </a:blip>
-          <a:srcRect l="12762" t="85802" r="10127" b="11198"/>
-          <a:stretch>
-            <a:fillRect/>
-          </a:stretch>
-        </p:blipFill>
-        <p:spPr>
-          <a:xfrm rot="16200000">
-            <a:off x="-938263" y="3135129"/>
-            <a:ext cx="4766310" cy="186690"/>
-          </a:xfrm>
-          <a:prstGeom prst="rect">
-            <a:avLst/>
-          </a:prstGeom>
-        </p:spPr>
-      </p:pic>
-      <p:sp>
-        <p:nvSpPr>
-          <p:cNvPr id="11" name="TextBox 10">
-            <a:extLst>
-              <a:ext uri="{FF2B5EF4-FFF2-40B4-BE49-F238E27FC236}">
-                <a16:creationId xmlns:a16="http://schemas.microsoft.com/office/drawing/2014/main" id="{7AADEB7E-3785-3414-C41C-24EF9BE5D745}"/>
-              </a:ext>
-            </a:extLst>
-          </p:cNvPr>
-          <p:cNvSpPr txBox="1"/>
-          <p:nvPr/>
-        </p:nvSpPr>
-        <p:spPr>
-          <a:xfrm>
-            <a:off x="1275878" y="444111"/>
-            <a:ext cx="2342757" cy="369332"/>
-          </a:xfrm>
-          <a:prstGeom prst="rect">
-            <a:avLst/>
-          </a:prstGeom>
-          <a:noFill/>
-        </p:spPr>
-        <p:txBody>
-          <a:bodyPr wrap="none" rtlCol="0">
-            <a:spAutoFit/>
-          </a:bodyPr>
-          <a:lstStyle/>
-          <a:p>
-            <a:r>
-              <a:rPr lang="en-US" dirty="0"/>
-              <a:t>After 50 training steps</a:t>
-            </a:r>
-          </a:p>
-        </p:txBody>
-      </p:sp>
-      <p:pic>
-        <p:nvPicPr>
-          <p:cNvPr id="23" name="Picture 22" descr="A graph of a number of images&#10;&#10;AI-generated content may be incorrect.">
-            <a:extLst>
-              <a:ext uri="{FF2B5EF4-FFF2-40B4-BE49-F238E27FC236}">
-                <a16:creationId xmlns:a16="http://schemas.microsoft.com/office/drawing/2014/main" id="{86149AEE-890D-DA73-6E9C-CB2C00870999}"/>
-              </a:ext>
-            </a:extLst>
-          </p:cNvPr>
-          <p:cNvPicPr>
-            <a:picLocks noChangeAspect="1"/>
-          </p:cNvPicPr>
-          <p:nvPr/>
-        </p:nvPicPr>
-        <p:blipFill>
-          <a:blip r:embed="rId4">
-            <a:extLst>
-              <a:ext uri="{28A0092B-C50C-407E-A947-70E740481C1C}">
-                <a14:useLocalDpi xmlns:a14="http://schemas.microsoft.com/office/drawing/2010/main" val="0"/>
-              </a:ext>
-            </a:extLst>
-          </a:blip>
-          <a:srcRect t="11754"/>
-          <a:stretch>
-            <a:fillRect/>
-          </a:stretch>
-        </p:blipFill>
-        <p:spPr>
-          <a:xfrm>
-            <a:off x="6674839" y="1237227"/>
-            <a:ext cx="4913917" cy="4336355"/>
-          </a:xfrm>
-          <a:prstGeom prst="rect">
-            <a:avLst/>
-          </a:prstGeom>
-        </p:spPr>
-      </p:pic>
-      <p:sp>
-        <p:nvSpPr>
-          <p:cNvPr id="19" name="TextBox 18">
-            <a:extLst>
-              <a:ext uri="{FF2B5EF4-FFF2-40B4-BE49-F238E27FC236}">
-                <a16:creationId xmlns:a16="http://schemas.microsoft.com/office/drawing/2014/main" id="{86292417-B782-6C13-61E7-B3608FE559FB}"/>
-              </a:ext>
-            </a:extLst>
-          </p:cNvPr>
-          <p:cNvSpPr txBox="1"/>
-          <p:nvPr/>
-        </p:nvSpPr>
-        <p:spPr>
-          <a:xfrm>
-            <a:off x="5759275" y="6186550"/>
-            <a:ext cx="5829481" cy="369332"/>
-          </a:xfrm>
-          <a:prstGeom prst="rect">
-            <a:avLst/>
-          </a:prstGeom>
-          <a:noFill/>
-        </p:spPr>
-        <p:txBody>
-          <a:bodyPr wrap="none" rtlCol="0">
-            <a:spAutoFit/>
-          </a:bodyPr>
-          <a:lstStyle/>
-          <a:p>
-            <a:r>
-              <a:rPr lang="en-US" i="1" dirty="0"/>
-              <a:t>Only showing for 7 representative images in validation set</a:t>
-            </a:r>
-          </a:p>
-        </p:txBody>
-      </p:sp>
-      <p:sp>
-        <p:nvSpPr>
-          <p:cNvPr id="20" name="TextBox 19">
-            <a:extLst>
-              <a:ext uri="{FF2B5EF4-FFF2-40B4-BE49-F238E27FC236}">
-                <a16:creationId xmlns:a16="http://schemas.microsoft.com/office/drawing/2014/main" id="{10EEBDFE-99F4-72D5-7958-2374029AFE0F}"/>
-              </a:ext>
-            </a:extLst>
-          </p:cNvPr>
-          <p:cNvSpPr txBox="1"/>
-          <p:nvPr/>
-        </p:nvSpPr>
-        <p:spPr>
-          <a:xfrm>
-            <a:off x="512059" y="5560610"/>
-            <a:ext cx="1026178" cy="307777"/>
-          </a:xfrm>
-          <a:prstGeom prst="rect">
-            <a:avLst/>
-          </a:prstGeom>
-          <a:noFill/>
-        </p:spPr>
-        <p:txBody>
-          <a:bodyPr wrap="none" rtlCol="0">
-            <a:spAutoFit/>
-          </a:bodyPr>
-          <a:lstStyle/>
-          <a:p>
-            <a:r>
-              <a:rPr lang="en-US" sz="1400" dirty="0"/>
-              <a:t>True labels</a:t>
-            </a:r>
-          </a:p>
-        </p:txBody>
-      </p:sp>
-      <p:sp>
-        <p:nvSpPr>
-          <p:cNvPr id="22" name="TextBox 21">
-            <a:extLst>
-              <a:ext uri="{FF2B5EF4-FFF2-40B4-BE49-F238E27FC236}">
-                <a16:creationId xmlns:a16="http://schemas.microsoft.com/office/drawing/2014/main" id="{4DE17189-74B8-CEE4-0812-BB025D57E019}"/>
-              </a:ext>
-            </a:extLst>
-          </p:cNvPr>
-          <p:cNvSpPr txBox="1"/>
-          <p:nvPr/>
-        </p:nvSpPr>
-        <p:spPr>
-          <a:xfrm>
-            <a:off x="7338350" y="444111"/>
-            <a:ext cx="3276538" cy="477054"/>
-          </a:xfrm>
-          <a:prstGeom prst="rect">
-            <a:avLst/>
-          </a:prstGeom>
-          <a:noFill/>
-        </p:spPr>
-        <p:txBody>
-          <a:bodyPr wrap="none" rtlCol="0">
-            <a:spAutoFit/>
-          </a:bodyPr>
-          <a:lstStyle/>
-          <a:p>
-            <a:r>
-              <a:rPr lang="en-US" sz="2500" b="1" dirty="0"/>
-              <a:t>Training Visualization</a:t>
-            </a:r>
-          </a:p>
-        </p:txBody>
-      </p:sp>
-      <p:pic>
-        <p:nvPicPr>
-          <p:cNvPr id="24" name="Picture 23" descr="A colorful squares with different colors&#10;&#10;AI-generated content may be incorrect.">
-            <a:extLst>
-              <a:ext uri="{FF2B5EF4-FFF2-40B4-BE49-F238E27FC236}">
-                <a16:creationId xmlns:a16="http://schemas.microsoft.com/office/drawing/2014/main" id="{7D00A0DA-D2CA-B510-7DAC-7ECD97404328}"/>
-              </a:ext>
-            </a:extLst>
-          </p:cNvPr>
-          <p:cNvPicPr>
-            <a:picLocks noChangeAspect="1"/>
-          </p:cNvPicPr>
-          <p:nvPr/>
-        </p:nvPicPr>
-        <p:blipFill>
-          <a:blip r:embed="rId5">
-            <a:extLst>
-              <a:ext uri="{28A0092B-C50C-407E-A947-70E740481C1C}">
-                <a14:useLocalDpi xmlns:a14="http://schemas.microsoft.com/office/drawing/2010/main" val="0"/>
-              </a:ext>
-            </a:extLst>
-          </a:blip>
-          <a:srcRect l="78623" t="12500" r="20162" b="29814"/>
-          <a:stretch>
-            <a:fillRect/>
-          </a:stretch>
-        </p:blipFill>
-        <p:spPr>
-          <a:xfrm>
-            <a:off x="783739" y="2015958"/>
-            <a:ext cx="241409" cy="2109907"/>
-          </a:xfrm>
-          <a:prstGeom prst="rect">
-            <a:avLst/>
-          </a:prstGeom>
-        </p:spPr>
-      </p:pic>
-      <p:sp>
-        <p:nvSpPr>
-          <p:cNvPr id="25" name="TextBox 24">
-            <a:extLst>
-              <a:ext uri="{FF2B5EF4-FFF2-40B4-BE49-F238E27FC236}">
-                <a16:creationId xmlns:a16="http://schemas.microsoft.com/office/drawing/2014/main" id="{A7C025D2-4BB6-0CB1-082E-AC691A4CA7E3}"/>
-              </a:ext>
-            </a:extLst>
-          </p:cNvPr>
-          <p:cNvSpPr txBox="1"/>
-          <p:nvPr/>
-        </p:nvSpPr>
-        <p:spPr>
-          <a:xfrm rot="16200000">
-            <a:off x="-155875" y="2799768"/>
-            <a:ext cx="1481496" cy="307777"/>
-          </a:xfrm>
-          <a:prstGeom prst="rect">
-            <a:avLst/>
-          </a:prstGeom>
-          <a:noFill/>
-        </p:spPr>
-        <p:txBody>
-          <a:bodyPr wrap="none" rtlCol="0">
-            <a:spAutoFit/>
-          </a:bodyPr>
-          <a:lstStyle/>
-          <a:p>
-            <a:r>
-              <a:rPr lang="en-US" sz="1400" dirty="0"/>
-              <a:t>Cosine similarity</a:t>
-            </a:r>
-          </a:p>
-        </p:txBody>
-      </p:sp>
-    </p:spTree>
-    <p:extLst>
-      <p:ext uri="{BB962C8B-B14F-4D97-AF65-F5344CB8AC3E}">
-        <p14:creationId xmlns:p14="http://schemas.microsoft.com/office/powerpoint/2010/main" val="3445093702"/>
-      </p:ext>
-    </p:extLst>
-  </p:cSld>
-  <p:clrMapOvr>
-    <a:masterClrMapping/>
-  </p:clrMapOvr>
-</p:sld>
-</file>
-
-<file path=ppt/slides/slide4.xml><?xml version="1.0" encoding="utf-8"?>
-<p:sld xmlns:a="http://schemas.openxmlformats.org/drawingml/2006/main" xmlns:r="http://schemas.openxmlformats.org/officeDocument/2006/relationships" xmlns:p="http://schemas.openxmlformats.org/presentationml/2006/main">
-  <p:cSld>
-    <p:spTree>
-      <p:nvGrpSpPr>
-        <p:cNvPr id="1" name=""/>
-        <p:cNvGrpSpPr/>
-        <p:nvPr/>
-      </p:nvGrpSpPr>
-      <p:grpSpPr>
-        <a:xfrm>
-          <a:off x="0" y="0"/>
-          <a:ext cx="0" cy="0"/>
-          <a:chOff x="0" y="0"/>
-          <a:chExt cx="0" cy="0"/>
-        </a:xfrm>
-      </p:grpSpPr>
       <p:pic>
         <p:nvPicPr>
           <p:cNvPr id="7" name="Picture 6" descr="A colorful squares with different colors&#10;&#10;AI-generated content may be incorrect.">
@@ -5102,7 +4911,7 @@
 </p:sld>
 </file>
 
-<file path=ppt/slides/slide5.xml><?xml version="1.0" encoding="utf-8"?>
+<file path=ppt/slides/slide4.xml><?xml version="1.0" encoding="utf-8"?>
 <p:sld xmlns:a="http://schemas.openxmlformats.org/drawingml/2006/main" xmlns:r="http://schemas.openxmlformats.org/officeDocument/2006/relationships" xmlns:p="http://schemas.openxmlformats.org/presentationml/2006/main">
   <p:cSld>
     <p:spTree>
@@ -6235,6 +6044,415 @@
     <p:extLst>
       <p:ext uri="{BB962C8B-B14F-4D97-AF65-F5344CB8AC3E}">
         <p14:creationId xmlns:p14="http://schemas.microsoft.com/office/powerpoint/2010/main" val="3730334519"/>
+      </p:ext>
+    </p:extLst>
+  </p:cSld>
+  <p:clrMapOvr>
+    <a:masterClrMapping/>
+  </p:clrMapOvr>
+</p:sld>
+</file>
+
+<file path=ppt/slides/slide5.xml><?xml version="1.0" encoding="utf-8"?>
+<p:sld xmlns:a="http://schemas.openxmlformats.org/drawingml/2006/main" xmlns:r="http://schemas.openxmlformats.org/officeDocument/2006/relationships" xmlns:p="http://schemas.openxmlformats.org/presentationml/2006/main">
+  <p:cSld>
+    <p:spTree>
+      <p:nvGrpSpPr>
+        <p:cNvPr id="1" name=""/>
+        <p:cNvGrpSpPr/>
+        <p:nvPr/>
+      </p:nvGrpSpPr>
+      <p:grpSpPr>
+        <a:xfrm>
+          <a:off x="0" y="0"/>
+          <a:ext cx="0" cy="0"/>
+          <a:chOff x="0" y="0"/>
+          <a:chExt cx="0" cy="0"/>
+        </a:xfrm>
+      </p:grpSpPr>
+      <p:sp>
+        <p:nvSpPr>
+          <p:cNvPr id="4" name="TextBox 3">
+            <a:extLst>
+              <a:ext uri="{FF2B5EF4-FFF2-40B4-BE49-F238E27FC236}">
+                <a16:creationId xmlns:a16="http://schemas.microsoft.com/office/drawing/2014/main" id="{618BE6BA-4531-75A4-6B2D-4779022E2705}"/>
+              </a:ext>
+            </a:extLst>
+          </p:cNvPr>
+          <p:cNvSpPr txBox="1"/>
+          <p:nvPr/>
+        </p:nvSpPr>
+        <p:spPr>
+          <a:xfrm rot="16200000">
+            <a:off x="304542" y="2747971"/>
+            <a:ext cx="1788438" cy="369332"/>
+          </a:xfrm>
+          <a:prstGeom prst="rect">
+            <a:avLst/>
+          </a:prstGeom>
+          <a:noFill/>
+        </p:spPr>
+        <p:txBody>
+          <a:bodyPr wrap="none" rtlCol="0">
+            <a:spAutoFit/>
+          </a:bodyPr>
+          <a:lstStyle/>
+          <a:p>
+            <a:r>
+              <a:rPr lang="en-US" dirty="0"/>
+              <a:t>Contrastive loss</a:t>
+            </a:r>
+          </a:p>
+        </p:txBody>
+      </p:sp>
+      <p:sp>
+        <p:nvSpPr>
+          <p:cNvPr id="6" name="TextBox 5">
+            <a:extLst>
+              <a:ext uri="{FF2B5EF4-FFF2-40B4-BE49-F238E27FC236}">
+                <a16:creationId xmlns:a16="http://schemas.microsoft.com/office/drawing/2014/main" id="{80B9D568-D832-799A-C879-175548EE8FC4}"/>
+              </a:ext>
+            </a:extLst>
+          </p:cNvPr>
+          <p:cNvSpPr txBox="1"/>
+          <p:nvPr/>
+        </p:nvSpPr>
+        <p:spPr>
+          <a:xfrm>
+            <a:off x="1781400" y="4697141"/>
+            <a:ext cx="1734514" cy="369332"/>
+          </a:xfrm>
+          <a:prstGeom prst="rect">
+            <a:avLst/>
+          </a:prstGeom>
+          <a:noFill/>
+        </p:spPr>
+        <p:txBody>
+          <a:bodyPr wrap="none" rtlCol="0">
+            <a:spAutoFit/>
+          </a:bodyPr>
+          <a:lstStyle/>
+          <a:p>
+            <a:r>
+              <a:rPr lang="en-US" dirty="0"/>
+              <a:t>Best AUC ~0.80</a:t>
+            </a:r>
+          </a:p>
+        </p:txBody>
+      </p:sp>
+      <p:sp>
+        <p:nvSpPr>
+          <p:cNvPr id="7" name="TextBox 6">
+            <a:extLst>
+              <a:ext uri="{FF2B5EF4-FFF2-40B4-BE49-F238E27FC236}">
+                <a16:creationId xmlns:a16="http://schemas.microsoft.com/office/drawing/2014/main" id="{8FE50504-5514-409C-C69D-29C9B975018A}"/>
+              </a:ext>
+            </a:extLst>
+          </p:cNvPr>
+          <p:cNvSpPr txBox="1"/>
+          <p:nvPr/>
+        </p:nvSpPr>
+        <p:spPr>
+          <a:xfrm>
+            <a:off x="3771146" y="4697141"/>
+            <a:ext cx="1496179" cy="369332"/>
+          </a:xfrm>
+          <a:prstGeom prst="rect">
+            <a:avLst/>
+          </a:prstGeom>
+          <a:noFill/>
+        </p:spPr>
+        <p:txBody>
+          <a:bodyPr wrap="none" rtlCol="0">
+            <a:spAutoFit/>
+          </a:bodyPr>
+          <a:lstStyle/>
+          <a:p>
+            <a:r>
+              <a:rPr lang="en-US" dirty="0"/>
+              <a:t>Best ARI ~0.3</a:t>
+            </a:r>
+          </a:p>
+        </p:txBody>
+      </p:sp>
+      <p:sp>
+        <p:nvSpPr>
+          <p:cNvPr id="8" name="TextBox 7">
+            <a:extLst>
+              <a:ext uri="{FF2B5EF4-FFF2-40B4-BE49-F238E27FC236}">
+                <a16:creationId xmlns:a16="http://schemas.microsoft.com/office/drawing/2014/main" id="{D80933C5-4817-47F1-E42F-41837F2ABFAB}"/>
+              </a:ext>
+            </a:extLst>
+          </p:cNvPr>
+          <p:cNvSpPr txBox="1"/>
+          <p:nvPr/>
+        </p:nvSpPr>
+        <p:spPr>
+          <a:xfrm>
+            <a:off x="7423035" y="4697141"/>
+            <a:ext cx="1734514" cy="369332"/>
+          </a:xfrm>
+          <a:prstGeom prst="rect">
+            <a:avLst/>
+          </a:prstGeom>
+          <a:noFill/>
+        </p:spPr>
+        <p:txBody>
+          <a:bodyPr wrap="none" rtlCol="0">
+            <a:spAutoFit/>
+          </a:bodyPr>
+          <a:lstStyle/>
+          <a:p>
+            <a:r>
+              <a:rPr lang="en-US" dirty="0"/>
+              <a:t>Best AUC ~0.76</a:t>
+            </a:r>
+          </a:p>
+        </p:txBody>
+      </p:sp>
+      <p:sp>
+        <p:nvSpPr>
+          <p:cNvPr id="9" name="TextBox 8">
+            <a:extLst>
+              <a:ext uri="{FF2B5EF4-FFF2-40B4-BE49-F238E27FC236}">
+                <a16:creationId xmlns:a16="http://schemas.microsoft.com/office/drawing/2014/main" id="{506EF71E-0D79-AAC6-16FF-EBA62D769E1E}"/>
+              </a:ext>
+            </a:extLst>
+          </p:cNvPr>
+          <p:cNvSpPr txBox="1"/>
+          <p:nvPr/>
+        </p:nvSpPr>
+        <p:spPr>
+          <a:xfrm>
+            <a:off x="9293909" y="4697141"/>
+            <a:ext cx="1619611" cy="369332"/>
+          </a:xfrm>
+          <a:prstGeom prst="rect">
+            <a:avLst/>
+          </a:prstGeom>
+          <a:noFill/>
+        </p:spPr>
+        <p:txBody>
+          <a:bodyPr wrap="none" rtlCol="0">
+            <a:spAutoFit/>
+          </a:bodyPr>
+          <a:lstStyle/>
+          <a:p>
+            <a:r>
+              <a:rPr lang="en-US" dirty="0"/>
+              <a:t>Best ARI ~0.22</a:t>
+            </a:r>
+          </a:p>
+        </p:txBody>
+      </p:sp>
+      <p:pic>
+        <p:nvPicPr>
+          <p:cNvPr id="17" name="Picture 16" descr="A graph of a training step&#10;&#10;AI-generated content may be incorrect.">
+            <a:extLst>
+              <a:ext uri="{FF2B5EF4-FFF2-40B4-BE49-F238E27FC236}">
+                <a16:creationId xmlns:a16="http://schemas.microsoft.com/office/drawing/2014/main" id="{D31A2E75-3675-E61E-6F9E-FDE545212CA6}"/>
+              </a:ext>
+            </a:extLst>
+          </p:cNvPr>
+          <p:cNvPicPr>
+            <a:picLocks noChangeAspect="1"/>
+          </p:cNvPicPr>
+          <p:nvPr/>
+        </p:nvPicPr>
+        <p:blipFill>
+          <a:blip r:embed="rId2">
+            <a:extLst>
+              <a:ext uri="{28A0092B-C50C-407E-A947-70E740481C1C}">
+                <a14:useLocalDpi xmlns:a14="http://schemas.microsoft.com/office/drawing/2010/main" val="0"/>
+              </a:ext>
+            </a:extLst>
+          </a:blip>
+          <a:srcRect l="7871" b="3641"/>
+          <a:stretch>
+            <a:fillRect/>
+          </a:stretch>
+        </p:blipFill>
+        <p:spPr>
+          <a:xfrm>
+            <a:off x="7076375" y="1237917"/>
+            <a:ext cx="4235433" cy="3322423"/>
+          </a:xfrm>
+          <a:prstGeom prst="rect">
+            <a:avLst/>
+          </a:prstGeom>
+        </p:spPr>
+      </p:pic>
+      <p:sp>
+        <p:nvSpPr>
+          <p:cNvPr id="18" name="TextBox 17">
+            <a:extLst>
+              <a:ext uri="{FF2B5EF4-FFF2-40B4-BE49-F238E27FC236}">
+                <a16:creationId xmlns:a16="http://schemas.microsoft.com/office/drawing/2014/main" id="{48DE0310-31C0-AE0D-B381-7E3DD50A0DB2}"/>
+              </a:ext>
+            </a:extLst>
+          </p:cNvPr>
+          <p:cNvSpPr txBox="1"/>
+          <p:nvPr/>
+        </p:nvSpPr>
+        <p:spPr>
+          <a:xfrm rot="16200000">
+            <a:off x="6259112" y="2894125"/>
+            <a:ext cx="1069524" cy="369332"/>
+          </a:xfrm>
+          <a:prstGeom prst="rect">
+            <a:avLst/>
+          </a:prstGeom>
+          <a:noFill/>
+        </p:spPr>
+        <p:txBody>
+          <a:bodyPr wrap="none" rtlCol="0">
+            <a:spAutoFit/>
+          </a:bodyPr>
+          <a:lstStyle/>
+          <a:p>
+            <a:r>
+              <a:rPr lang="en-US" dirty="0"/>
+              <a:t>BCE loss</a:t>
+            </a:r>
+          </a:p>
+        </p:txBody>
+      </p:sp>
+      <p:sp>
+        <p:nvSpPr>
+          <p:cNvPr id="19" name="TextBox 18">
+            <a:extLst>
+              <a:ext uri="{FF2B5EF4-FFF2-40B4-BE49-F238E27FC236}">
+                <a16:creationId xmlns:a16="http://schemas.microsoft.com/office/drawing/2014/main" id="{4A61101C-70C4-DE83-372B-BA4CCD4E6C6C}"/>
+              </a:ext>
+            </a:extLst>
+          </p:cNvPr>
+          <p:cNvSpPr txBox="1"/>
+          <p:nvPr/>
+        </p:nvSpPr>
+        <p:spPr>
+          <a:xfrm>
+            <a:off x="367392" y="270375"/>
+            <a:ext cx="3613040" cy="477054"/>
+          </a:xfrm>
+          <a:prstGeom prst="rect">
+            <a:avLst/>
+          </a:prstGeom>
+          <a:noFill/>
+        </p:spPr>
+        <p:txBody>
+          <a:bodyPr wrap="none" rtlCol="0">
+            <a:spAutoFit/>
+          </a:bodyPr>
+          <a:lstStyle/>
+          <a:p>
+            <a:r>
+              <a:rPr lang="en-US" sz="2500" b="1" dirty="0"/>
+              <a:t>BCE vs Contrastive loss</a:t>
+            </a:r>
+          </a:p>
+        </p:txBody>
+      </p:sp>
+      <p:pic>
+        <p:nvPicPr>
+          <p:cNvPr id="21" name="Picture 20">
+            <a:extLst>
+              <a:ext uri="{FF2B5EF4-FFF2-40B4-BE49-F238E27FC236}">
+                <a16:creationId xmlns:a16="http://schemas.microsoft.com/office/drawing/2014/main" id="{3E100F48-51EE-456A-AAF0-48A9CE0F6B8A}"/>
+              </a:ext>
+            </a:extLst>
+          </p:cNvPr>
+          <p:cNvPicPr>
+            <a:picLocks noChangeAspect="1"/>
+          </p:cNvPicPr>
+          <p:nvPr/>
+        </p:nvPicPr>
+        <p:blipFill>
+          <a:blip r:embed="rId3"/>
+          <a:stretch>
+            <a:fillRect/>
+          </a:stretch>
+        </p:blipFill>
+        <p:spPr>
+          <a:xfrm>
+            <a:off x="6249928" y="5550551"/>
+            <a:ext cx="5177702" cy="722233"/>
+          </a:xfrm>
+          <a:prstGeom prst="rect">
+            <a:avLst/>
+          </a:prstGeom>
+        </p:spPr>
+      </p:pic>
+      <p:pic>
+        <p:nvPicPr>
+          <p:cNvPr id="23" name="Picture 22">
+            <a:extLst>
+              <a:ext uri="{FF2B5EF4-FFF2-40B4-BE49-F238E27FC236}">
+                <a16:creationId xmlns:a16="http://schemas.microsoft.com/office/drawing/2014/main" id="{CD0D858B-FC51-B58C-BC01-5DDA4CF67556}"/>
+              </a:ext>
+            </a:extLst>
+          </p:cNvPr>
+          <p:cNvPicPr>
+            <a:picLocks noChangeAspect="1"/>
+          </p:cNvPicPr>
+          <p:nvPr/>
+        </p:nvPicPr>
+        <p:blipFill>
+          <a:blip r:embed="rId4"/>
+          <a:stretch>
+            <a:fillRect/>
+          </a:stretch>
+        </p:blipFill>
+        <p:spPr>
+          <a:xfrm>
+            <a:off x="1781400" y="5396362"/>
+            <a:ext cx="3219899" cy="876422"/>
+          </a:xfrm>
+          <a:prstGeom prst="rect">
+            <a:avLst/>
+          </a:prstGeom>
+        </p:spPr>
+      </p:pic>
+      <p:pic>
+        <p:nvPicPr>
+          <p:cNvPr id="25" name="Picture 24" descr="A graph of a graph&#10;&#10;AI-generated content may be incorrect.">
+            <a:extLst>
+              <a:ext uri="{FF2B5EF4-FFF2-40B4-BE49-F238E27FC236}">
+                <a16:creationId xmlns:a16="http://schemas.microsoft.com/office/drawing/2014/main" id="{947E6F03-3992-F12C-A258-65FFD228B45F}"/>
+              </a:ext>
+            </a:extLst>
+          </p:cNvPr>
+          <p:cNvPicPr>
+            <a:picLocks noChangeAspect="1"/>
+          </p:cNvPicPr>
+          <p:nvPr/>
+        </p:nvPicPr>
+        <p:blipFill>
+          <a:blip r:embed="rId5">
+            <a:extLst>
+              <a:ext uri="{28A0092B-C50C-407E-A947-70E740481C1C}">
+                <a14:useLocalDpi xmlns:a14="http://schemas.microsoft.com/office/drawing/2010/main" val="0"/>
+              </a:ext>
+            </a:extLst>
+          </a:blip>
+          <a:srcRect l="4115" b="4333"/>
+          <a:stretch>
+            <a:fillRect/>
+          </a:stretch>
+        </p:blipFill>
+        <p:spPr>
+          <a:xfrm>
+            <a:off x="1383427" y="1191204"/>
+            <a:ext cx="4619280" cy="3456582"/>
+          </a:xfrm>
+          <a:prstGeom prst="rect">
+            <a:avLst/>
+          </a:prstGeom>
+        </p:spPr>
+      </p:pic>
+    </p:spTree>
+    <p:extLst>
+      <p:ext uri="{BB962C8B-B14F-4D97-AF65-F5344CB8AC3E}">
+        <p14:creationId xmlns:p14="http://schemas.microsoft.com/office/powerpoint/2010/main" val="1747252931"/>
       </p:ext>
     </p:extLst>
   </p:cSld>
@@ -6261,415 +6479,6 @@
           <a:chExt cx="0" cy="0"/>
         </a:xfrm>
       </p:grpSpPr>
-      <p:sp>
-        <p:nvSpPr>
-          <p:cNvPr id="4" name="TextBox 3">
-            <a:extLst>
-              <a:ext uri="{FF2B5EF4-FFF2-40B4-BE49-F238E27FC236}">
-                <a16:creationId xmlns:a16="http://schemas.microsoft.com/office/drawing/2014/main" id="{618BE6BA-4531-75A4-6B2D-4779022E2705}"/>
-              </a:ext>
-            </a:extLst>
-          </p:cNvPr>
-          <p:cNvSpPr txBox="1"/>
-          <p:nvPr/>
-        </p:nvSpPr>
-        <p:spPr>
-          <a:xfrm rot="16200000">
-            <a:off x="304542" y="2747971"/>
-            <a:ext cx="1788438" cy="369332"/>
-          </a:xfrm>
-          <a:prstGeom prst="rect">
-            <a:avLst/>
-          </a:prstGeom>
-          <a:noFill/>
-        </p:spPr>
-        <p:txBody>
-          <a:bodyPr wrap="none" rtlCol="0">
-            <a:spAutoFit/>
-          </a:bodyPr>
-          <a:lstStyle/>
-          <a:p>
-            <a:r>
-              <a:rPr lang="en-US" dirty="0"/>
-              <a:t>Contrastive loss</a:t>
-            </a:r>
-          </a:p>
-        </p:txBody>
-      </p:sp>
-      <p:sp>
-        <p:nvSpPr>
-          <p:cNvPr id="6" name="TextBox 5">
-            <a:extLst>
-              <a:ext uri="{FF2B5EF4-FFF2-40B4-BE49-F238E27FC236}">
-                <a16:creationId xmlns:a16="http://schemas.microsoft.com/office/drawing/2014/main" id="{80B9D568-D832-799A-C879-175548EE8FC4}"/>
-              </a:ext>
-            </a:extLst>
-          </p:cNvPr>
-          <p:cNvSpPr txBox="1"/>
-          <p:nvPr/>
-        </p:nvSpPr>
-        <p:spPr>
-          <a:xfrm>
-            <a:off x="1781400" y="4697141"/>
-            <a:ext cx="1734514" cy="369332"/>
-          </a:xfrm>
-          <a:prstGeom prst="rect">
-            <a:avLst/>
-          </a:prstGeom>
-          <a:noFill/>
-        </p:spPr>
-        <p:txBody>
-          <a:bodyPr wrap="none" rtlCol="0">
-            <a:spAutoFit/>
-          </a:bodyPr>
-          <a:lstStyle/>
-          <a:p>
-            <a:r>
-              <a:rPr lang="en-US" dirty="0"/>
-              <a:t>Best AUC ~0.80</a:t>
-            </a:r>
-          </a:p>
-        </p:txBody>
-      </p:sp>
-      <p:sp>
-        <p:nvSpPr>
-          <p:cNvPr id="7" name="TextBox 6">
-            <a:extLst>
-              <a:ext uri="{FF2B5EF4-FFF2-40B4-BE49-F238E27FC236}">
-                <a16:creationId xmlns:a16="http://schemas.microsoft.com/office/drawing/2014/main" id="{8FE50504-5514-409C-C69D-29C9B975018A}"/>
-              </a:ext>
-            </a:extLst>
-          </p:cNvPr>
-          <p:cNvSpPr txBox="1"/>
-          <p:nvPr/>
-        </p:nvSpPr>
-        <p:spPr>
-          <a:xfrm>
-            <a:off x="3771146" y="4697141"/>
-            <a:ext cx="1496179" cy="369332"/>
-          </a:xfrm>
-          <a:prstGeom prst="rect">
-            <a:avLst/>
-          </a:prstGeom>
-          <a:noFill/>
-        </p:spPr>
-        <p:txBody>
-          <a:bodyPr wrap="none" rtlCol="0">
-            <a:spAutoFit/>
-          </a:bodyPr>
-          <a:lstStyle/>
-          <a:p>
-            <a:r>
-              <a:rPr lang="en-US" dirty="0"/>
-              <a:t>Best ARI ~0.3</a:t>
-            </a:r>
-          </a:p>
-        </p:txBody>
-      </p:sp>
-      <p:sp>
-        <p:nvSpPr>
-          <p:cNvPr id="8" name="TextBox 7">
-            <a:extLst>
-              <a:ext uri="{FF2B5EF4-FFF2-40B4-BE49-F238E27FC236}">
-                <a16:creationId xmlns:a16="http://schemas.microsoft.com/office/drawing/2014/main" id="{D80933C5-4817-47F1-E42F-41837F2ABFAB}"/>
-              </a:ext>
-            </a:extLst>
-          </p:cNvPr>
-          <p:cNvSpPr txBox="1"/>
-          <p:nvPr/>
-        </p:nvSpPr>
-        <p:spPr>
-          <a:xfrm>
-            <a:off x="7423035" y="4697141"/>
-            <a:ext cx="1734514" cy="369332"/>
-          </a:xfrm>
-          <a:prstGeom prst="rect">
-            <a:avLst/>
-          </a:prstGeom>
-          <a:noFill/>
-        </p:spPr>
-        <p:txBody>
-          <a:bodyPr wrap="none" rtlCol="0">
-            <a:spAutoFit/>
-          </a:bodyPr>
-          <a:lstStyle/>
-          <a:p>
-            <a:r>
-              <a:rPr lang="en-US" dirty="0"/>
-              <a:t>Best AUC ~0.76</a:t>
-            </a:r>
-          </a:p>
-        </p:txBody>
-      </p:sp>
-      <p:sp>
-        <p:nvSpPr>
-          <p:cNvPr id="9" name="TextBox 8">
-            <a:extLst>
-              <a:ext uri="{FF2B5EF4-FFF2-40B4-BE49-F238E27FC236}">
-                <a16:creationId xmlns:a16="http://schemas.microsoft.com/office/drawing/2014/main" id="{506EF71E-0D79-AAC6-16FF-EBA62D769E1E}"/>
-              </a:ext>
-            </a:extLst>
-          </p:cNvPr>
-          <p:cNvSpPr txBox="1"/>
-          <p:nvPr/>
-        </p:nvSpPr>
-        <p:spPr>
-          <a:xfrm>
-            <a:off x="9293909" y="4697141"/>
-            <a:ext cx="1619611" cy="369332"/>
-          </a:xfrm>
-          <a:prstGeom prst="rect">
-            <a:avLst/>
-          </a:prstGeom>
-          <a:noFill/>
-        </p:spPr>
-        <p:txBody>
-          <a:bodyPr wrap="none" rtlCol="0">
-            <a:spAutoFit/>
-          </a:bodyPr>
-          <a:lstStyle/>
-          <a:p>
-            <a:r>
-              <a:rPr lang="en-US" dirty="0"/>
-              <a:t>Best ARI ~0.22</a:t>
-            </a:r>
-          </a:p>
-        </p:txBody>
-      </p:sp>
-      <p:pic>
-        <p:nvPicPr>
-          <p:cNvPr id="17" name="Picture 16" descr="A graph of a training step&#10;&#10;AI-generated content may be incorrect.">
-            <a:extLst>
-              <a:ext uri="{FF2B5EF4-FFF2-40B4-BE49-F238E27FC236}">
-                <a16:creationId xmlns:a16="http://schemas.microsoft.com/office/drawing/2014/main" id="{D31A2E75-3675-E61E-6F9E-FDE545212CA6}"/>
-              </a:ext>
-            </a:extLst>
-          </p:cNvPr>
-          <p:cNvPicPr>
-            <a:picLocks noChangeAspect="1"/>
-          </p:cNvPicPr>
-          <p:nvPr/>
-        </p:nvPicPr>
-        <p:blipFill>
-          <a:blip r:embed="rId2">
-            <a:extLst>
-              <a:ext uri="{28A0092B-C50C-407E-A947-70E740481C1C}">
-                <a14:useLocalDpi xmlns:a14="http://schemas.microsoft.com/office/drawing/2010/main" val="0"/>
-              </a:ext>
-            </a:extLst>
-          </a:blip>
-          <a:srcRect l="7871" b="3641"/>
-          <a:stretch>
-            <a:fillRect/>
-          </a:stretch>
-        </p:blipFill>
-        <p:spPr>
-          <a:xfrm>
-            <a:off x="7076375" y="1237917"/>
-            <a:ext cx="4235433" cy="3322423"/>
-          </a:xfrm>
-          <a:prstGeom prst="rect">
-            <a:avLst/>
-          </a:prstGeom>
-        </p:spPr>
-      </p:pic>
-      <p:sp>
-        <p:nvSpPr>
-          <p:cNvPr id="18" name="TextBox 17">
-            <a:extLst>
-              <a:ext uri="{FF2B5EF4-FFF2-40B4-BE49-F238E27FC236}">
-                <a16:creationId xmlns:a16="http://schemas.microsoft.com/office/drawing/2014/main" id="{48DE0310-31C0-AE0D-B381-7E3DD50A0DB2}"/>
-              </a:ext>
-            </a:extLst>
-          </p:cNvPr>
-          <p:cNvSpPr txBox="1"/>
-          <p:nvPr/>
-        </p:nvSpPr>
-        <p:spPr>
-          <a:xfrm rot="16200000">
-            <a:off x="6259112" y="2894125"/>
-            <a:ext cx="1069524" cy="369332"/>
-          </a:xfrm>
-          <a:prstGeom prst="rect">
-            <a:avLst/>
-          </a:prstGeom>
-          <a:noFill/>
-        </p:spPr>
-        <p:txBody>
-          <a:bodyPr wrap="none" rtlCol="0">
-            <a:spAutoFit/>
-          </a:bodyPr>
-          <a:lstStyle/>
-          <a:p>
-            <a:r>
-              <a:rPr lang="en-US" dirty="0"/>
-              <a:t>BCE loss</a:t>
-            </a:r>
-          </a:p>
-        </p:txBody>
-      </p:sp>
-      <p:sp>
-        <p:nvSpPr>
-          <p:cNvPr id="19" name="TextBox 18">
-            <a:extLst>
-              <a:ext uri="{FF2B5EF4-FFF2-40B4-BE49-F238E27FC236}">
-                <a16:creationId xmlns:a16="http://schemas.microsoft.com/office/drawing/2014/main" id="{4A61101C-70C4-DE83-372B-BA4CCD4E6C6C}"/>
-              </a:ext>
-            </a:extLst>
-          </p:cNvPr>
-          <p:cNvSpPr txBox="1"/>
-          <p:nvPr/>
-        </p:nvSpPr>
-        <p:spPr>
-          <a:xfrm>
-            <a:off x="367392" y="270375"/>
-            <a:ext cx="3613040" cy="477054"/>
-          </a:xfrm>
-          <a:prstGeom prst="rect">
-            <a:avLst/>
-          </a:prstGeom>
-          <a:noFill/>
-        </p:spPr>
-        <p:txBody>
-          <a:bodyPr wrap="none" rtlCol="0">
-            <a:spAutoFit/>
-          </a:bodyPr>
-          <a:lstStyle/>
-          <a:p>
-            <a:r>
-              <a:rPr lang="en-US" sz="2500" b="1" dirty="0"/>
-              <a:t>BCE vs Contrastive loss</a:t>
-            </a:r>
-          </a:p>
-        </p:txBody>
-      </p:sp>
-      <p:pic>
-        <p:nvPicPr>
-          <p:cNvPr id="21" name="Picture 20">
-            <a:extLst>
-              <a:ext uri="{FF2B5EF4-FFF2-40B4-BE49-F238E27FC236}">
-                <a16:creationId xmlns:a16="http://schemas.microsoft.com/office/drawing/2014/main" id="{3E100F48-51EE-456A-AAF0-48A9CE0F6B8A}"/>
-              </a:ext>
-            </a:extLst>
-          </p:cNvPr>
-          <p:cNvPicPr>
-            <a:picLocks noChangeAspect="1"/>
-          </p:cNvPicPr>
-          <p:nvPr/>
-        </p:nvPicPr>
-        <p:blipFill>
-          <a:blip r:embed="rId3"/>
-          <a:stretch>
-            <a:fillRect/>
-          </a:stretch>
-        </p:blipFill>
-        <p:spPr>
-          <a:xfrm>
-            <a:off x="6249928" y="5550551"/>
-            <a:ext cx="5177702" cy="722233"/>
-          </a:xfrm>
-          <a:prstGeom prst="rect">
-            <a:avLst/>
-          </a:prstGeom>
-        </p:spPr>
-      </p:pic>
-      <p:pic>
-        <p:nvPicPr>
-          <p:cNvPr id="23" name="Picture 22">
-            <a:extLst>
-              <a:ext uri="{FF2B5EF4-FFF2-40B4-BE49-F238E27FC236}">
-                <a16:creationId xmlns:a16="http://schemas.microsoft.com/office/drawing/2014/main" id="{CD0D858B-FC51-B58C-BC01-5DDA4CF67556}"/>
-              </a:ext>
-            </a:extLst>
-          </p:cNvPr>
-          <p:cNvPicPr>
-            <a:picLocks noChangeAspect="1"/>
-          </p:cNvPicPr>
-          <p:nvPr/>
-        </p:nvPicPr>
-        <p:blipFill>
-          <a:blip r:embed="rId4"/>
-          <a:stretch>
-            <a:fillRect/>
-          </a:stretch>
-        </p:blipFill>
-        <p:spPr>
-          <a:xfrm>
-            <a:off x="1781400" y="5396362"/>
-            <a:ext cx="3219899" cy="876422"/>
-          </a:xfrm>
-          <a:prstGeom prst="rect">
-            <a:avLst/>
-          </a:prstGeom>
-        </p:spPr>
-      </p:pic>
-      <p:pic>
-        <p:nvPicPr>
-          <p:cNvPr id="25" name="Picture 24" descr="A graph of a graph&#10;&#10;AI-generated content may be incorrect.">
-            <a:extLst>
-              <a:ext uri="{FF2B5EF4-FFF2-40B4-BE49-F238E27FC236}">
-                <a16:creationId xmlns:a16="http://schemas.microsoft.com/office/drawing/2014/main" id="{947E6F03-3992-F12C-A258-65FFD228B45F}"/>
-              </a:ext>
-            </a:extLst>
-          </p:cNvPr>
-          <p:cNvPicPr>
-            <a:picLocks noChangeAspect="1"/>
-          </p:cNvPicPr>
-          <p:nvPr/>
-        </p:nvPicPr>
-        <p:blipFill>
-          <a:blip r:embed="rId5">
-            <a:extLst>
-              <a:ext uri="{28A0092B-C50C-407E-A947-70E740481C1C}">
-                <a14:useLocalDpi xmlns:a14="http://schemas.microsoft.com/office/drawing/2010/main" val="0"/>
-              </a:ext>
-            </a:extLst>
-          </a:blip>
-          <a:srcRect l="4115" b="4333"/>
-          <a:stretch>
-            <a:fillRect/>
-          </a:stretch>
-        </p:blipFill>
-        <p:spPr>
-          <a:xfrm>
-            <a:off x="1383427" y="1191204"/>
-            <a:ext cx="4619280" cy="3456582"/>
-          </a:xfrm>
-          <a:prstGeom prst="rect">
-            <a:avLst/>
-          </a:prstGeom>
-        </p:spPr>
-      </p:pic>
-    </p:spTree>
-    <p:extLst>
-      <p:ext uri="{BB962C8B-B14F-4D97-AF65-F5344CB8AC3E}">
-        <p14:creationId xmlns:p14="http://schemas.microsoft.com/office/powerpoint/2010/main" val="1747252931"/>
-      </p:ext>
-    </p:extLst>
-  </p:cSld>
-  <p:clrMapOvr>
-    <a:masterClrMapping/>
-  </p:clrMapOvr>
-</p:sld>
-</file>
-
-<file path=ppt/slides/slide7.xml><?xml version="1.0" encoding="utf-8"?>
-<p:sld xmlns:a="http://schemas.openxmlformats.org/drawingml/2006/main" xmlns:r="http://schemas.openxmlformats.org/officeDocument/2006/relationships" xmlns:p="http://schemas.openxmlformats.org/presentationml/2006/main">
-  <p:cSld>
-    <p:spTree>
-      <p:nvGrpSpPr>
-        <p:cNvPr id="1" name=""/>
-        <p:cNvGrpSpPr/>
-        <p:nvPr/>
-      </p:nvGrpSpPr>
-      <p:grpSpPr>
-        <a:xfrm>
-          <a:off x="0" y="0"/>
-          <a:ext cx="0" cy="0"/>
-          <a:chOff x="0" y="0"/>
-          <a:chExt cx="0" cy="0"/>
-        </a:xfrm>
-      </p:grpSpPr>
       <p:pic>
         <p:nvPicPr>
           <p:cNvPr id="5" name="Picture 4" descr="A graph of a number of images&#10;&#10;AI-generated content may be incorrect.">
@@ -6923,577 +6732,6 @@
     <p:extLst>
       <p:ext uri="{BB962C8B-B14F-4D97-AF65-F5344CB8AC3E}">
         <p14:creationId xmlns:p14="http://schemas.microsoft.com/office/powerpoint/2010/main" val="1679930965"/>
-      </p:ext>
-    </p:extLst>
-  </p:cSld>
-  <p:clrMapOvr>
-    <a:masterClrMapping/>
-  </p:clrMapOvr>
-</p:sld>
-</file>
-
-<file path=ppt/slides/slide8.xml><?xml version="1.0" encoding="utf-8"?>
-<p:sld xmlns:a="http://schemas.openxmlformats.org/drawingml/2006/main" xmlns:r="http://schemas.openxmlformats.org/officeDocument/2006/relationships" xmlns:p="http://schemas.openxmlformats.org/presentationml/2006/main">
-  <p:cSld>
-    <p:spTree>
-      <p:nvGrpSpPr>
-        <p:cNvPr id="1" name="">
-          <a:extLst>
-            <a:ext uri="{FF2B5EF4-FFF2-40B4-BE49-F238E27FC236}">
-              <a16:creationId xmlns:a16="http://schemas.microsoft.com/office/drawing/2014/main" id="{86EA5D11-DD29-40B3-4C95-C7808DBAB975}"/>
-            </a:ext>
-          </a:extLst>
-        </p:cNvPr>
-        <p:cNvGrpSpPr/>
-        <p:nvPr/>
-      </p:nvGrpSpPr>
-      <p:grpSpPr>
-        <a:xfrm>
-          <a:off x="0" y="0"/>
-          <a:ext cx="0" cy="0"/>
-          <a:chOff x="0" y="0"/>
-          <a:chExt cx="0" cy="0"/>
-        </a:xfrm>
-      </p:grpSpPr>
-      <p:sp>
-        <p:nvSpPr>
-          <p:cNvPr id="2" name="TextBox 1">
-            <a:extLst>
-              <a:ext uri="{FF2B5EF4-FFF2-40B4-BE49-F238E27FC236}">
-                <a16:creationId xmlns:a16="http://schemas.microsoft.com/office/drawing/2014/main" id="{065A665B-0989-4692-E9E1-00AE9E49540B}"/>
-              </a:ext>
-            </a:extLst>
-          </p:cNvPr>
-          <p:cNvSpPr txBox="1"/>
-          <p:nvPr/>
-        </p:nvSpPr>
-        <p:spPr>
-          <a:xfrm>
-            <a:off x="507782" y="380103"/>
-            <a:ext cx="1354858" cy="477054"/>
-          </a:xfrm>
-          <a:prstGeom prst="rect">
-            <a:avLst/>
-          </a:prstGeom>
-          <a:noFill/>
-        </p:spPr>
-        <p:txBody>
-          <a:bodyPr wrap="none" rtlCol="0">
-            <a:spAutoFit/>
-          </a:bodyPr>
-          <a:lstStyle/>
-          <a:p>
-            <a:r>
-              <a:rPr lang="en-US" sz="2500" b="1" dirty="0"/>
-              <a:t>Outlook</a:t>
-            </a:r>
-          </a:p>
-        </p:txBody>
-      </p:sp>
-      <p:sp>
-        <p:nvSpPr>
-          <p:cNvPr id="3" name="TextBox 2">
-            <a:extLst>
-              <a:ext uri="{FF2B5EF4-FFF2-40B4-BE49-F238E27FC236}">
-                <a16:creationId xmlns:a16="http://schemas.microsoft.com/office/drawing/2014/main" id="{3FCEB669-97E5-CC98-34F8-713AAF8AB6D5}"/>
-              </a:ext>
-            </a:extLst>
-          </p:cNvPr>
-          <p:cNvSpPr txBox="1"/>
-          <p:nvPr/>
-        </p:nvSpPr>
-        <p:spPr>
-          <a:xfrm>
-            <a:off x="848947" y="1349374"/>
-            <a:ext cx="8317277" cy="369332"/>
-          </a:xfrm>
-          <a:prstGeom prst="rect">
-            <a:avLst/>
-          </a:prstGeom>
-          <a:noFill/>
-        </p:spPr>
-        <p:txBody>
-          <a:bodyPr wrap="none" rtlCol="0">
-            <a:spAutoFit/>
-          </a:bodyPr>
-          <a:lstStyle/>
-          <a:p>
-            <a:r>
-              <a:rPr lang="en-US" i="1" dirty="0"/>
-              <a:t>-&gt; Larger fragments should lead to better performance and more complex learning </a:t>
-            </a:r>
-          </a:p>
-        </p:txBody>
-      </p:sp>
-    </p:spTree>
-    <p:extLst>
-      <p:ext uri="{BB962C8B-B14F-4D97-AF65-F5344CB8AC3E}">
-        <p14:creationId xmlns:p14="http://schemas.microsoft.com/office/powerpoint/2010/main" val="4241957681"/>
-      </p:ext>
-    </p:extLst>
-  </p:cSld>
-  <p:clrMapOvr>
-    <a:masterClrMapping/>
-  </p:clrMapOvr>
-</p:sld>
-</file>
-
-<file path=ppt/slides/slide9.xml><?xml version="1.0" encoding="utf-8"?>
-<p:sld xmlns:a="http://schemas.openxmlformats.org/drawingml/2006/main" xmlns:r="http://schemas.openxmlformats.org/officeDocument/2006/relationships" xmlns:p="http://schemas.openxmlformats.org/presentationml/2006/main" show="0">
-  <p:cSld>
-    <p:spTree>
-      <p:nvGrpSpPr>
-        <p:cNvPr id="1" name="">
-          <a:extLst>
-            <a:ext uri="{FF2B5EF4-FFF2-40B4-BE49-F238E27FC236}">
-              <a16:creationId xmlns:a16="http://schemas.microsoft.com/office/drawing/2014/main" id="{8AC1D1CA-8258-A078-7E6C-92BDD28DCE41}"/>
-            </a:ext>
-          </a:extLst>
-        </p:cNvPr>
-        <p:cNvGrpSpPr/>
-        <p:nvPr/>
-      </p:nvGrpSpPr>
-      <p:grpSpPr>
-        <a:xfrm>
-          <a:off x="0" y="0"/>
-          <a:ext cx="0" cy="0"/>
-          <a:chOff x="0" y="0"/>
-          <a:chExt cx="0" cy="0"/>
-        </a:xfrm>
-      </p:grpSpPr>
-      <p:sp>
-        <p:nvSpPr>
-          <p:cNvPr id="15" name="TextBox 14">
-            <a:extLst>
-              <a:ext uri="{FF2B5EF4-FFF2-40B4-BE49-F238E27FC236}">
-                <a16:creationId xmlns:a16="http://schemas.microsoft.com/office/drawing/2014/main" id="{8DC08FB9-FAF1-A021-6C2F-DC59B43C1D85}"/>
-              </a:ext>
-            </a:extLst>
-          </p:cNvPr>
-          <p:cNvSpPr txBox="1"/>
-          <p:nvPr/>
-        </p:nvSpPr>
-        <p:spPr>
-          <a:xfrm>
-            <a:off x="4901108" y="1254832"/>
-            <a:ext cx="3637175" cy="400110"/>
-          </a:xfrm>
-          <a:prstGeom prst="rect">
-            <a:avLst/>
-          </a:prstGeom>
-          <a:noFill/>
-        </p:spPr>
-        <p:txBody>
-          <a:bodyPr wrap="square" rtlCol="0">
-            <a:spAutoFit/>
-          </a:bodyPr>
-          <a:lstStyle/>
-          <a:p>
-            <a:r>
-              <a:rPr lang="en-US" sz="2000" dirty="0"/>
-              <a:t>ARI 0.32    AUC:0.81   MCC:0.33   </a:t>
-            </a:r>
-          </a:p>
-        </p:txBody>
-      </p:sp>
-      <p:pic>
-        <p:nvPicPr>
-          <p:cNvPr id="6" name="Picture 5" descr="A graph of a graph&#10;&#10;AI-generated content may be incorrect.">
-            <a:extLst>
-              <a:ext uri="{FF2B5EF4-FFF2-40B4-BE49-F238E27FC236}">
-                <a16:creationId xmlns:a16="http://schemas.microsoft.com/office/drawing/2014/main" id="{0582EED5-EBF9-9E8C-93E0-84E692FEE5D2}"/>
-              </a:ext>
-            </a:extLst>
-          </p:cNvPr>
-          <p:cNvPicPr>
-            <a:picLocks noChangeAspect="1"/>
-          </p:cNvPicPr>
-          <p:nvPr/>
-        </p:nvPicPr>
-        <p:blipFill>
-          <a:blip r:embed="rId2">
-            <a:extLst>
-              <a:ext uri="{28A0092B-C50C-407E-A947-70E740481C1C}">
-                <a14:useLocalDpi xmlns:a14="http://schemas.microsoft.com/office/drawing/2010/main" val="0"/>
-              </a:ext>
-            </a:extLst>
-          </a:blip>
-          <a:srcRect l="4115" b="4333"/>
-          <a:stretch>
-            <a:fillRect/>
-          </a:stretch>
-        </p:blipFill>
-        <p:spPr>
-          <a:xfrm>
-            <a:off x="921777" y="1317125"/>
-            <a:ext cx="3637175" cy="3060016"/>
-          </a:xfrm>
-          <a:prstGeom prst="rect">
-            <a:avLst/>
-          </a:prstGeom>
-        </p:spPr>
-      </p:pic>
-      <p:sp>
-        <p:nvSpPr>
-          <p:cNvPr id="10" name="TextBox 9">
-            <a:extLst>
-              <a:ext uri="{FF2B5EF4-FFF2-40B4-BE49-F238E27FC236}">
-                <a16:creationId xmlns:a16="http://schemas.microsoft.com/office/drawing/2014/main" id="{D40F0FB8-6D97-5146-0B0D-B9DDB1138BCB}"/>
-              </a:ext>
-            </a:extLst>
-          </p:cNvPr>
-          <p:cNvSpPr txBox="1"/>
-          <p:nvPr/>
-        </p:nvSpPr>
-        <p:spPr>
-          <a:xfrm>
-            <a:off x="1727995" y="4401305"/>
-            <a:ext cx="1548309" cy="369332"/>
-          </a:xfrm>
-          <a:prstGeom prst="rect">
-            <a:avLst/>
-          </a:prstGeom>
-          <a:noFill/>
-        </p:spPr>
-        <p:txBody>
-          <a:bodyPr wrap="none" rtlCol="0">
-            <a:spAutoFit/>
-          </a:bodyPr>
-          <a:lstStyle/>
-          <a:p>
-            <a:r>
-              <a:rPr lang="en-US" dirty="0"/>
-              <a:t>Training steps</a:t>
-            </a:r>
-          </a:p>
-        </p:txBody>
-      </p:sp>
-      <p:sp>
-        <p:nvSpPr>
-          <p:cNvPr id="11" name="TextBox 10">
-            <a:extLst>
-              <a:ext uri="{FF2B5EF4-FFF2-40B4-BE49-F238E27FC236}">
-                <a16:creationId xmlns:a16="http://schemas.microsoft.com/office/drawing/2014/main" id="{4257853D-380B-6AF1-3000-5E198E37F274}"/>
-              </a:ext>
-            </a:extLst>
-          </p:cNvPr>
-          <p:cNvSpPr txBox="1"/>
-          <p:nvPr/>
-        </p:nvSpPr>
-        <p:spPr>
-          <a:xfrm rot="16200000">
-            <a:off x="-74112" y="2662467"/>
-            <a:ext cx="1482970" cy="369332"/>
-          </a:xfrm>
-          <a:prstGeom prst="rect">
-            <a:avLst/>
-          </a:prstGeom>
-          <a:noFill/>
-        </p:spPr>
-        <p:txBody>
-          <a:bodyPr wrap="none" rtlCol="0">
-            <a:spAutoFit/>
-          </a:bodyPr>
-          <a:lstStyle/>
-          <a:p>
-            <a:r>
-              <a:rPr lang="en-US" dirty="0"/>
-              <a:t>NT-</a:t>
-            </a:r>
-            <a:r>
-              <a:rPr lang="en-US" dirty="0" err="1"/>
-              <a:t>Xent</a:t>
-            </a:r>
-            <a:r>
-              <a:rPr lang="en-US" dirty="0"/>
-              <a:t> Loss</a:t>
-            </a:r>
-          </a:p>
-        </p:txBody>
-      </p:sp>
-      <p:sp>
-        <p:nvSpPr>
-          <p:cNvPr id="12" name="TextBox 11">
-            <a:extLst>
-              <a:ext uri="{FF2B5EF4-FFF2-40B4-BE49-F238E27FC236}">
-                <a16:creationId xmlns:a16="http://schemas.microsoft.com/office/drawing/2014/main" id="{3475417F-B87A-F7D8-8E60-D7ADE47D7029}"/>
-              </a:ext>
-            </a:extLst>
-          </p:cNvPr>
-          <p:cNvSpPr txBox="1"/>
-          <p:nvPr/>
-        </p:nvSpPr>
-        <p:spPr>
-          <a:xfrm>
-            <a:off x="551344" y="1177888"/>
-            <a:ext cx="383438" cy="477054"/>
-          </a:xfrm>
-          <a:prstGeom prst="rect">
-            <a:avLst/>
-          </a:prstGeom>
-          <a:noFill/>
-        </p:spPr>
-        <p:txBody>
-          <a:bodyPr wrap="none" rtlCol="0">
-            <a:spAutoFit/>
-          </a:bodyPr>
-          <a:lstStyle/>
-          <a:p>
-            <a:r>
-              <a:rPr lang="en-US" sz="2500" b="1" dirty="0"/>
-              <a:t>A</a:t>
-            </a:r>
-          </a:p>
-        </p:txBody>
-      </p:sp>
-      <p:sp>
-        <p:nvSpPr>
-          <p:cNvPr id="13" name="TextBox 12">
-            <a:extLst>
-              <a:ext uri="{FF2B5EF4-FFF2-40B4-BE49-F238E27FC236}">
-                <a16:creationId xmlns:a16="http://schemas.microsoft.com/office/drawing/2014/main" id="{61D4F7EA-150B-5F57-5B8C-F91E14D947B9}"/>
-              </a:ext>
-            </a:extLst>
-          </p:cNvPr>
-          <p:cNvSpPr txBox="1"/>
-          <p:nvPr/>
-        </p:nvSpPr>
-        <p:spPr>
-          <a:xfrm>
-            <a:off x="4379934" y="1177888"/>
-            <a:ext cx="383438" cy="477054"/>
-          </a:xfrm>
-          <a:prstGeom prst="rect">
-            <a:avLst/>
-          </a:prstGeom>
-          <a:noFill/>
-        </p:spPr>
-        <p:txBody>
-          <a:bodyPr wrap="none" rtlCol="0">
-            <a:spAutoFit/>
-          </a:bodyPr>
-          <a:lstStyle/>
-          <a:p>
-            <a:r>
-              <a:rPr lang="en-US" sz="2500" b="1" dirty="0"/>
-              <a:t>B</a:t>
-            </a:r>
-          </a:p>
-        </p:txBody>
-      </p:sp>
-      <p:pic>
-        <p:nvPicPr>
-          <p:cNvPr id="22" name="Picture 21" descr="A graph of a diagram&#10;&#10;AI-generated content may be incorrect.">
-            <a:extLst>
-              <a:ext uri="{FF2B5EF4-FFF2-40B4-BE49-F238E27FC236}">
-                <a16:creationId xmlns:a16="http://schemas.microsoft.com/office/drawing/2014/main" id="{8AF0846B-08A1-703D-5570-3AC3EC436C26}"/>
-              </a:ext>
-            </a:extLst>
-          </p:cNvPr>
-          <p:cNvPicPr>
-            <a:picLocks noChangeAspect="1"/>
-          </p:cNvPicPr>
-          <p:nvPr/>
-        </p:nvPicPr>
-        <p:blipFill>
-          <a:blip r:embed="rId3">
-            <a:extLst>
-              <a:ext uri="{28A0092B-C50C-407E-A947-70E740481C1C}">
-                <a14:useLocalDpi xmlns:a14="http://schemas.microsoft.com/office/drawing/2010/main" val="0"/>
-              </a:ext>
-            </a:extLst>
-          </a:blip>
-          <a:srcRect t="11711"/>
-          <a:stretch>
-            <a:fillRect/>
-          </a:stretch>
-        </p:blipFill>
-        <p:spPr>
-          <a:xfrm>
-            <a:off x="4444653" y="1685100"/>
-            <a:ext cx="4550087" cy="4017244"/>
-          </a:xfrm>
-          <a:prstGeom prst="rect">
-            <a:avLst/>
-          </a:prstGeom>
-        </p:spPr>
-      </p:pic>
-      <p:sp>
-        <p:nvSpPr>
-          <p:cNvPr id="26" name="TextBox 25">
-            <a:extLst>
-              <a:ext uri="{FF2B5EF4-FFF2-40B4-BE49-F238E27FC236}">
-                <a16:creationId xmlns:a16="http://schemas.microsoft.com/office/drawing/2014/main" id="{83668D18-F0B8-8531-E7CF-DAEEFBAD2BB6}"/>
-              </a:ext>
-            </a:extLst>
-          </p:cNvPr>
-          <p:cNvSpPr txBox="1"/>
-          <p:nvPr/>
-        </p:nvSpPr>
-        <p:spPr>
-          <a:xfrm>
-            <a:off x="10501069" y="5416304"/>
-            <a:ext cx="1942648" cy="369332"/>
-          </a:xfrm>
-          <a:prstGeom prst="rect">
-            <a:avLst/>
-          </a:prstGeom>
-          <a:noFill/>
-        </p:spPr>
-        <p:txBody>
-          <a:bodyPr wrap="none" rtlCol="0">
-            <a:spAutoFit/>
-          </a:bodyPr>
-          <a:lstStyle/>
-          <a:p>
-            <a:r>
-              <a:rPr lang="en-US" dirty="0"/>
-              <a:t>Fragment’s labels</a:t>
-            </a:r>
-          </a:p>
-        </p:txBody>
-      </p:sp>
-      <p:pic>
-        <p:nvPicPr>
-          <p:cNvPr id="3" name="Picture 2">
-            <a:extLst>
-              <a:ext uri="{FF2B5EF4-FFF2-40B4-BE49-F238E27FC236}">
-                <a16:creationId xmlns:a16="http://schemas.microsoft.com/office/drawing/2014/main" id="{EC972CD8-5B5A-4DD2-4BCA-F069625EB097}"/>
-              </a:ext>
-            </a:extLst>
-          </p:cNvPr>
-          <p:cNvPicPr>
-            <a:picLocks noChangeAspect="1"/>
-          </p:cNvPicPr>
-          <p:nvPr/>
-        </p:nvPicPr>
-        <p:blipFill>
-          <a:blip r:embed="rId4"/>
-          <a:stretch>
-            <a:fillRect/>
-          </a:stretch>
-        </p:blipFill>
-        <p:spPr>
-          <a:xfrm>
-            <a:off x="9553748" y="1420378"/>
-            <a:ext cx="3997232" cy="4017244"/>
-          </a:xfrm>
-          <a:prstGeom prst="rect">
-            <a:avLst/>
-          </a:prstGeom>
-        </p:spPr>
-      </p:pic>
-      <p:pic>
-        <p:nvPicPr>
-          <p:cNvPr id="4" name="Picture 3" descr="A colorful squares with different colors&#10;&#10;AI-generated content may be incorrect.">
-            <a:extLst>
-              <a:ext uri="{FF2B5EF4-FFF2-40B4-BE49-F238E27FC236}">
-                <a16:creationId xmlns:a16="http://schemas.microsoft.com/office/drawing/2014/main" id="{B2DCE4BD-D72D-6AFC-6A78-2808A5AB6849}"/>
-              </a:ext>
-            </a:extLst>
-          </p:cNvPr>
-          <p:cNvPicPr>
-            <a:picLocks noChangeAspect="1"/>
-          </p:cNvPicPr>
-          <p:nvPr/>
-        </p:nvPicPr>
-        <p:blipFill>
-          <a:blip r:embed="rId5">
-            <a:extLst>
-              <a:ext uri="{28A0092B-C50C-407E-A947-70E740481C1C}">
-                <a14:useLocalDpi xmlns:a14="http://schemas.microsoft.com/office/drawing/2010/main" val="0"/>
-              </a:ext>
-            </a:extLst>
-          </a:blip>
-          <a:srcRect l="78623" t="12500" r="20162" b="29814"/>
-          <a:stretch>
-            <a:fillRect/>
-          </a:stretch>
-        </p:blipFill>
-        <p:spPr>
-          <a:xfrm>
-            <a:off x="9159939" y="2335435"/>
-            <a:ext cx="241409" cy="2109907"/>
-          </a:xfrm>
-          <a:prstGeom prst="rect">
-            <a:avLst/>
-          </a:prstGeom>
-        </p:spPr>
-      </p:pic>
-      <p:sp>
-        <p:nvSpPr>
-          <p:cNvPr id="5" name="TextBox 4">
-            <a:extLst>
-              <a:ext uri="{FF2B5EF4-FFF2-40B4-BE49-F238E27FC236}">
-                <a16:creationId xmlns:a16="http://schemas.microsoft.com/office/drawing/2014/main" id="{66F62F41-265A-CD54-3102-B84495B9BF40}"/>
-              </a:ext>
-            </a:extLst>
-          </p:cNvPr>
-          <p:cNvSpPr txBox="1"/>
-          <p:nvPr/>
-        </p:nvSpPr>
-        <p:spPr>
-          <a:xfrm rot="16200000">
-            <a:off x="8015418" y="3298252"/>
-            <a:ext cx="1845377" cy="369332"/>
-          </a:xfrm>
-          <a:prstGeom prst="rect">
-            <a:avLst/>
-          </a:prstGeom>
-          <a:noFill/>
-        </p:spPr>
-        <p:txBody>
-          <a:bodyPr wrap="none" rtlCol="0">
-            <a:spAutoFit/>
-          </a:bodyPr>
-          <a:lstStyle/>
-          <a:p>
-            <a:r>
-              <a:rPr lang="en-US" dirty="0"/>
-              <a:t>Cosine similarity</a:t>
-            </a:r>
-          </a:p>
-        </p:txBody>
-      </p:sp>
-      <p:sp>
-        <p:nvSpPr>
-          <p:cNvPr id="14" name="TextBox 13">
-            <a:extLst>
-              <a:ext uri="{FF2B5EF4-FFF2-40B4-BE49-F238E27FC236}">
-                <a16:creationId xmlns:a16="http://schemas.microsoft.com/office/drawing/2014/main" id="{A431CF3C-6EF0-739B-B4E1-2DB83DE80CDF}"/>
-              </a:ext>
-            </a:extLst>
-          </p:cNvPr>
-          <p:cNvSpPr txBox="1"/>
-          <p:nvPr/>
-        </p:nvSpPr>
-        <p:spPr>
-          <a:xfrm>
-            <a:off x="8938106" y="1177888"/>
-            <a:ext cx="410690" cy="477054"/>
-          </a:xfrm>
-          <a:prstGeom prst="rect">
-            <a:avLst/>
-          </a:prstGeom>
-          <a:noFill/>
-        </p:spPr>
-        <p:txBody>
-          <a:bodyPr wrap="none" rtlCol="0">
-            <a:spAutoFit/>
-          </a:bodyPr>
-          <a:lstStyle/>
-          <a:p>
-            <a:r>
-              <a:rPr lang="en-US" sz="2500" b="1" dirty="0"/>
-              <a:t>C</a:t>
-            </a:r>
-          </a:p>
-        </p:txBody>
-      </p:sp>
-    </p:spTree>
-    <p:extLst>
-      <p:ext uri="{BB962C8B-B14F-4D97-AF65-F5344CB8AC3E}">
-        <p14:creationId xmlns:p14="http://schemas.microsoft.com/office/powerpoint/2010/main" val="23960460"/>
       </p:ext>
     </p:extLst>
   </p:cSld>
